--- a/Pitch.pptx
+++ b/Pitch.pptx
@@ -2,10 +2,10 @@
 <file path=ppt/presentation.xml><?xml version="1.0" encoding="utf-8"?>
 <p:presentation xmlns:a="http://schemas.openxmlformats.org/drawingml/2006/main" xmlns:r="http://schemas.openxmlformats.org/officeDocument/2006/relationships" xmlns:p="http://schemas.openxmlformats.org/presentationml/2006/main" saveSubsetFonts="1">
   <p:sldMasterIdLst>
-    <p:sldMasterId id="2147483648" r:id="rId4"/>
+    <p:sldMasterId id="2147483648" r:id="rId6"/>
   </p:sldMasterIdLst>
   <p:sldIdLst>
-    <p:sldId id="257" r:id="rId5"/>
+    <p:sldId id="257" r:id="rId7"/>
   </p:sldIdLst>
   <p:sldSz cx="12192000" cy="6858000"/>
   <p:notesSz cx="6858000" cy="9144000"/>
@@ -259,7 +259,7 @@
           <a:p>
             <a:fld id="{A283A367-2733-4026-AD71-9D3ADEE81B0C}" type="datetimeFigureOut">
               <a:rPr lang="de-DE" smtClean="0"/>
-              <a:t>06.09.2018</a:t>
+              <a:t>07.09.2018</a:t>
             </a:fld>
             <a:endParaRPr lang="de-DE"/>
           </a:p>
@@ -457,7 +457,7 @@
           <a:p>
             <a:fld id="{A283A367-2733-4026-AD71-9D3ADEE81B0C}" type="datetimeFigureOut">
               <a:rPr lang="de-DE" smtClean="0"/>
-              <a:t>06.09.2018</a:t>
+              <a:t>07.09.2018</a:t>
             </a:fld>
             <a:endParaRPr lang="de-DE"/>
           </a:p>
@@ -665,7 +665,7 @@
           <a:p>
             <a:fld id="{A283A367-2733-4026-AD71-9D3ADEE81B0C}" type="datetimeFigureOut">
               <a:rPr lang="de-DE" smtClean="0"/>
-              <a:t>06.09.2018</a:t>
+              <a:t>07.09.2018</a:t>
             </a:fld>
             <a:endParaRPr lang="de-DE"/>
           </a:p>
@@ -863,7 +863,7 @@
           <a:p>
             <a:fld id="{A283A367-2733-4026-AD71-9D3ADEE81B0C}" type="datetimeFigureOut">
               <a:rPr lang="de-DE" smtClean="0"/>
-              <a:t>06.09.2018</a:t>
+              <a:t>07.09.2018</a:t>
             </a:fld>
             <a:endParaRPr lang="de-DE"/>
           </a:p>
@@ -1138,7 +1138,7 @@
           <a:p>
             <a:fld id="{A283A367-2733-4026-AD71-9D3ADEE81B0C}" type="datetimeFigureOut">
               <a:rPr lang="de-DE" smtClean="0"/>
-              <a:t>06.09.2018</a:t>
+              <a:t>07.09.2018</a:t>
             </a:fld>
             <a:endParaRPr lang="de-DE"/>
           </a:p>
@@ -1403,7 +1403,7 @@
           <a:p>
             <a:fld id="{A283A367-2733-4026-AD71-9D3ADEE81B0C}" type="datetimeFigureOut">
               <a:rPr lang="de-DE" smtClean="0"/>
-              <a:t>06.09.2018</a:t>
+              <a:t>07.09.2018</a:t>
             </a:fld>
             <a:endParaRPr lang="de-DE"/>
           </a:p>
@@ -1815,7 +1815,7 @@
           <a:p>
             <a:fld id="{A283A367-2733-4026-AD71-9D3ADEE81B0C}" type="datetimeFigureOut">
               <a:rPr lang="de-DE" smtClean="0"/>
-              <a:t>06.09.2018</a:t>
+              <a:t>07.09.2018</a:t>
             </a:fld>
             <a:endParaRPr lang="de-DE"/>
           </a:p>
@@ -1956,7 +1956,7 @@
           <a:p>
             <a:fld id="{A283A367-2733-4026-AD71-9D3ADEE81B0C}" type="datetimeFigureOut">
               <a:rPr lang="de-DE" smtClean="0"/>
-              <a:t>06.09.2018</a:t>
+              <a:t>07.09.2018</a:t>
             </a:fld>
             <a:endParaRPr lang="de-DE"/>
           </a:p>
@@ -2069,7 +2069,7 @@
           <a:p>
             <a:fld id="{A283A367-2733-4026-AD71-9D3ADEE81B0C}" type="datetimeFigureOut">
               <a:rPr lang="de-DE" smtClean="0"/>
-              <a:t>06.09.2018</a:t>
+              <a:t>07.09.2018</a:t>
             </a:fld>
             <a:endParaRPr lang="de-DE"/>
           </a:p>
@@ -2380,7 +2380,7 @@
           <a:p>
             <a:fld id="{A283A367-2733-4026-AD71-9D3ADEE81B0C}" type="datetimeFigureOut">
               <a:rPr lang="de-DE" smtClean="0"/>
-              <a:t>06.09.2018</a:t>
+              <a:t>07.09.2018</a:t>
             </a:fld>
             <a:endParaRPr lang="de-DE"/>
           </a:p>
@@ -2668,7 +2668,7 @@
           <a:p>
             <a:fld id="{A283A367-2733-4026-AD71-9D3ADEE81B0C}" type="datetimeFigureOut">
               <a:rPr lang="de-DE" smtClean="0"/>
-              <a:t>06.09.2018</a:t>
+              <a:t>07.09.2018</a:t>
             </a:fld>
             <a:endParaRPr lang="de-DE"/>
           </a:p>
@@ -2909,7 +2909,7 @@
           <a:p>
             <a:fld id="{A283A367-2733-4026-AD71-9D3ADEE81B0C}" type="datetimeFigureOut">
               <a:rPr lang="de-DE" smtClean="0"/>
-              <a:t>06.09.2018</a:t>
+              <a:t>07.09.2018</a:t>
             </a:fld>
             <a:endParaRPr lang="de-DE"/>
           </a:p>
@@ -3391,7 +3391,7 @@
             <a:r>
               <a:rPr lang="de-DE" b="1" dirty="0" err="1">
                 <a:solidFill>
-                  <a:schemeClr val="bg1"/>
+                  <a:srgbClr val="876748"/>
                 </a:solidFill>
                 <a:latin typeface="Trebuchet MS" panose="020B0603020202020204" pitchFamily="34" charset="0"/>
               </a:rPr>
@@ -3400,7 +3400,7 @@
             <a:r>
               <a:rPr lang="de-DE" b="1" dirty="0">
                 <a:solidFill>
-                  <a:schemeClr val="bg1"/>
+                  <a:srgbClr val="876748"/>
                 </a:solidFill>
                 <a:latin typeface="Trebuchet MS" panose="020B0603020202020204" pitchFamily="34" charset="0"/>
               </a:rPr>
@@ -3409,7 +3409,7 @@
             <a:r>
               <a:rPr lang="de-DE" b="1" dirty="0" err="1">
                 <a:solidFill>
-                  <a:schemeClr val="bg1"/>
+                  <a:srgbClr val="876748"/>
                 </a:solidFill>
                 <a:latin typeface="Trebuchet MS" panose="020B0603020202020204" pitchFamily="34" charset="0"/>
               </a:rPr>
@@ -3418,7 +3418,7 @@
             <a:r>
               <a:rPr lang="de-DE" b="1" dirty="0">
                 <a:solidFill>
-                  <a:schemeClr val="bg1"/>
+                  <a:srgbClr val="876748"/>
                 </a:solidFill>
                 <a:latin typeface="Trebuchet MS" panose="020B0603020202020204" pitchFamily="34" charset="0"/>
               </a:rPr>
@@ -3610,7 +3610,7 @@
         </p:blipFill>
         <p:spPr bwMode="auto">
           <a:xfrm>
-            <a:off x="698997" y="820382"/>
+            <a:off x="386208" y="812121"/>
             <a:ext cx="2280657" cy="656230"/>
           </a:xfrm>
           <a:prstGeom prst="rect">
@@ -4928,7 +4928,7 @@
             <a:r>
               <a:rPr lang="de-DE" b="1" dirty="0">
                 <a:solidFill>
-                  <a:schemeClr val="bg1"/>
+                  <a:srgbClr val="B79B83"/>
                 </a:solidFill>
                 <a:latin typeface="Trebuchet MS" panose="020B0603020202020204" pitchFamily="34" charset="0"/>
               </a:rPr>
@@ -4937,7 +4937,7 @@
             <a:r>
               <a:rPr lang="de-DE" b="1" dirty="0" err="1">
                 <a:solidFill>
-                  <a:schemeClr val="bg1"/>
+                  <a:srgbClr val="B79B83"/>
                 </a:solidFill>
                 <a:latin typeface="Trebuchet MS" panose="020B0603020202020204" pitchFamily="34" charset="0"/>
               </a:rPr>
@@ -4946,7 +4946,7 @@
             <a:r>
               <a:rPr lang="de-DE" b="1" dirty="0">
                 <a:solidFill>
-                  <a:schemeClr val="bg1"/>
+                  <a:srgbClr val="B79B83"/>
                 </a:solidFill>
                 <a:latin typeface="Trebuchet MS" panose="020B0603020202020204" pitchFamily="34" charset="0"/>
               </a:rPr>
@@ -4955,7 +4955,7 @@
             <a:br>
               <a:rPr lang="de-DE" b="1" dirty="0">
                 <a:solidFill>
-                  <a:schemeClr val="bg1"/>
+                  <a:srgbClr val="B79B83"/>
                 </a:solidFill>
                 <a:latin typeface="Trebuchet MS" panose="020B0603020202020204" pitchFamily="34" charset="0"/>
               </a:rPr>
@@ -4963,7 +4963,7 @@
             <a:r>
               <a:rPr lang="de-DE" b="1" dirty="0">
                 <a:solidFill>
-                  <a:schemeClr val="bg1"/>
+                  <a:srgbClr val="B79B83"/>
                 </a:solidFill>
                 <a:latin typeface="Trebuchet MS" panose="020B0603020202020204" pitchFamily="34" charset="0"/>
               </a:rPr>
@@ -4972,7 +4972,7 @@
             <a:br>
               <a:rPr lang="de-DE" b="1" dirty="0">
                 <a:solidFill>
-                  <a:schemeClr val="bg1"/>
+                  <a:srgbClr val="B79B83"/>
                 </a:solidFill>
                 <a:latin typeface="Trebuchet MS" panose="020B0603020202020204" pitchFamily="34" charset="0"/>
               </a:rPr>
@@ -4980,7 +4980,7 @@
             <a:r>
               <a:rPr lang="de-DE" b="1" dirty="0">
                 <a:solidFill>
-                  <a:schemeClr val="bg1"/>
+                  <a:srgbClr val="B79B83"/>
                 </a:solidFill>
                 <a:latin typeface="Trebuchet MS" panose="020B0603020202020204" pitchFamily="34" charset="0"/>
               </a:rPr>
@@ -4988,7 +4988,7 @@
             </a:r>
             <a:endParaRPr lang="de-DE" dirty="0">
               <a:solidFill>
-                <a:schemeClr val="bg1"/>
+                <a:srgbClr val="B79B83"/>
               </a:solidFill>
             </a:endParaRPr>
           </a:p>
@@ -5063,6 +5063,53 @@
           <a:prstGeom prst="rect">
             <a:avLst/>
           </a:prstGeom>
+        </p:spPr>
+      </p:pic>
+      <p:pic>
+        <p:nvPicPr>
+          <p:cNvPr id="2" name="Picture 2" descr="Bildergebnis fÃ¼r internet explorer logo">
+            <a:extLst>
+              <a:ext uri="{FF2B5EF4-FFF2-40B4-BE49-F238E27FC236}">
+                <a16:creationId xmlns:a16="http://schemas.microsoft.com/office/drawing/2014/main" id="{934BBE21-59F1-4F6E-BB0F-3EDB7F0732B9}"/>
+              </a:ext>
+            </a:extLst>
+          </p:cNvPr>
+          <p:cNvPicPr>
+            <a:picLocks noChangeAspect="1" noChangeArrowheads="1"/>
+          </p:cNvPicPr>
+          <p:nvPr/>
+        </p:nvPicPr>
+        <p:blipFill>
+          <a:blip r:embed="rId15">
+            <a:extLst>
+              <a:ext uri="{28A0092B-C50C-407E-A947-70E740481C1C}">
+                <a14:useLocalDpi xmlns:a14="http://schemas.microsoft.com/office/drawing/2010/main" val="0"/>
+              </a:ext>
+            </a:extLst>
+          </a:blip>
+          <a:srcRect/>
+          <a:stretch>
+            <a:fillRect/>
+          </a:stretch>
+        </p:blipFill>
+        <p:spPr bwMode="auto">
+          <a:xfrm>
+            <a:off x="2660504" y="794300"/>
+            <a:ext cx="622831" cy="622831"/>
+          </a:xfrm>
+          <a:prstGeom prst="rect">
+            <a:avLst/>
+          </a:prstGeom>
+          <a:noFill/>
+          <a:extLst>
+            <a:ext uri="{909E8E84-426E-40DD-AFC4-6F175D3DCCD1}">
+              <a14:hiddenFill xmlns:a14="http://schemas.microsoft.com/office/drawing/2010/main">
+                <a:solidFill>
+                  <a:srgbClr val="FFFFFF"/>
+                </a:solidFill>
+              </a14:hiddenFill>
+            </a:ext>
+          </a:extLst>
         </p:spPr>
       </p:pic>
     </p:spTree>
@@ -5373,17 +5420,7 @@
 </a:theme>
 </file>
 
-<file path=customXml/item1.xml>
-</file>
-
-<file path=customXml/item2.xml><?xml version="1.0" encoding="utf-8"?>
-<Application xmlns="http://www.sap.com/cof/powerpoint/application">
-  <Version>2</Version>
-  <Revision>2.5.201.74495</Revision>
-</Application>
-</file>
-
-<file path=customXml/item3.xml><?xml version="1.0" encoding="utf-8"?>
+<file path=customXml/item1.xml><?xml version="1.0" encoding="utf-8"?>
 <Application xmlns="http://www.sap.com/cof/ao/powerpoint/application">
   <com.sap.ip.bi.pioneer>
     <Version>4</Version>
@@ -5401,8 +5438,28 @@
 </Application>
 </file>
 
+<file path=customXml/item2.xml><?xml version="1.0" encoding="utf-8"?>
+<Application xmlns="http://www.sap.com/cof/powerpoint/application">
+  <Version>2</Version>
+  <Revision>2.5.201.74495</Revision>
+</Application>
+</file>
+
+<file path=customXml/item3.xml>
+</file>
+
+<file path=customXml/item4.xml>
+</file>
+
+<file path=customXml/item5.xml>
+</file>
+
 <file path=customXml/itemProps1.xml><?xml version="1.0" encoding="utf-8"?>
-<ds:datastoreItem xmlns:ds="http://schemas.openxmlformats.org/officeDocument/2006/customXml" ds:itemID="{B6BA90CD-7BA2-4A10-A93D-C5311E803BD6}"/>
+<ds:datastoreItem xmlns:ds="http://schemas.openxmlformats.org/officeDocument/2006/customXml" ds:itemID="{44723FA6-B1A5-4CA4-AE18-8FB0E9AA9608}">
+  <ds:schemaRefs>
+    <ds:schemaRef ds:uri="http://www.sap.com/cof/ao/powerpoint/application"/>
+  </ds:schemaRefs>
+</ds:datastoreItem>
 </file>
 
 <file path=customXml/itemProps2.xml><?xml version="1.0" encoding="utf-8"?>
@@ -5414,9 +5471,13 @@
 </file>
 
 <file path=customXml/itemProps3.xml><?xml version="1.0" encoding="utf-8"?>
-<ds:datastoreItem xmlns:ds="http://schemas.openxmlformats.org/officeDocument/2006/customXml" ds:itemID="{44723FA6-B1A5-4CA4-AE18-8FB0E9AA9608}">
-  <ds:schemaRefs>
-    <ds:schemaRef ds:uri="http://www.sap.com/cof/ao/powerpoint/application"/>
-  </ds:schemaRefs>
-</ds:datastoreItem>
+<ds:datastoreItem xmlns:ds="http://schemas.openxmlformats.org/officeDocument/2006/customXml" ds:itemID="{BDA0C33A-4E85-4045-9A22-D0C1D2A9BB4D}"/>
+</file>
+
+<file path=customXml/itemProps4.xml><?xml version="1.0" encoding="utf-8"?>
+<ds:datastoreItem xmlns:ds="http://schemas.openxmlformats.org/officeDocument/2006/customXml" ds:itemID="{B6BA90CD-7BA2-4A10-A93D-C5311E803BD6}"/>
+</file>
+
+<file path=customXml/itemProps5.xml><?xml version="1.0" encoding="utf-8"?>
+<ds:datastoreItem xmlns:ds="http://schemas.openxmlformats.org/officeDocument/2006/customXml" ds:itemID="{2E4677D1-6936-4BF1-A595-120AC79AD739}"/>
 </file>
--- a/Pitch.pptx
+++ b/Pitch.pptx
@@ -259,7 +259,7 @@
           <a:p>
             <a:fld id="{A283A367-2733-4026-AD71-9D3ADEE81B0C}" type="datetimeFigureOut">
               <a:rPr lang="de-DE" smtClean="0"/>
-              <a:t>07.09.2018</a:t>
+              <a:t>08.09.2018</a:t>
             </a:fld>
             <a:endParaRPr lang="de-DE"/>
           </a:p>
@@ -457,7 +457,7 @@
           <a:p>
             <a:fld id="{A283A367-2733-4026-AD71-9D3ADEE81B0C}" type="datetimeFigureOut">
               <a:rPr lang="de-DE" smtClean="0"/>
-              <a:t>07.09.2018</a:t>
+              <a:t>08.09.2018</a:t>
             </a:fld>
             <a:endParaRPr lang="de-DE"/>
           </a:p>
@@ -665,7 +665,7 @@
           <a:p>
             <a:fld id="{A283A367-2733-4026-AD71-9D3ADEE81B0C}" type="datetimeFigureOut">
               <a:rPr lang="de-DE" smtClean="0"/>
-              <a:t>07.09.2018</a:t>
+              <a:t>08.09.2018</a:t>
             </a:fld>
             <a:endParaRPr lang="de-DE"/>
           </a:p>
@@ -863,7 +863,7 @@
           <a:p>
             <a:fld id="{A283A367-2733-4026-AD71-9D3ADEE81B0C}" type="datetimeFigureOut">
               <a:rPr lang="de-DE" smtClean="0"/>
-              <a:t>07.09.2018</a:t>
+              <a:t>08.09.2018</a:t>
             </a:fld>
             <a:endParaRPr lang="de-DE"/>
           </a:p>
@@ -1138,7 +1138,7 @@
           <a:p>
             <a:fld id="{A283A367-2733-4026-AD71-9D3ADEE81B0C}" type="datetimeFigureOut">
               <a:rPr lang="de-DE" smtClean="0"/>
-              <a:t>07.09.2018</a:t>
+              <a:t>08.09.2018</a:t>
             </a:fld>
             <a:endParaRPr lang="de-DE"/>
           </a:p>
@@ -1403,7 +1403,7 @@
           <a:p>
             <a:fld id="{A283A367-2733-4026-AD71-9D3ADEE81B0C}" type="datetimeFigureOut">
               <a:rPr lang="de-DE" smtClean="0"/>
-              <a:t>07.09.2018</a:t>
+              <a:t>08.09.2018</a:t>
             </a:fld>
             <a:endParaRPr lang="de-DE"/>
           </a:p>
@@ -1815,7 +1815,7 @@
           <a:p>
             <a:fld id="{A283A367-2733-4026-AD71-9D3ADEE81B0C}" type="datetimeFigureOut">
               <a:rPr lang="de-DE" smtClean="0"/>
-              <a:t>07.09.2018</a:t>
+              <a:t>08.09.2018</a:t>
             </a:fld>
             <a:endParaRPr lang="de-DE"/>
           </a:p>
@@ -1956,7 +1956,7 @@
           <a:p>
             <a:fld id="{A283A367-2733-4026-AD71-9D3ADEE81B0C}" type="datetimeFigureOut">
               <a:rPr lang="de-DE" smtClean="0"/>
-              <a:t>07.09.2018</a:t>
+              <a:t>08.09.2018</a:t>
             </a:fld>
             <a:endParaRPr lang="de-DE"/>
           </a:p>
@@ -2069,7 +2069,7 @@
           <a:p>
             <a:fld id="{A283A367-2733-4026-AD71-9D3ADEE81B0C}" type="datetimeFigureOut">
               <a:rPr lang="de-DE" smtClean="0"/>
-              <a:t>07.09.2018</a:t>
+              <a:t>08.09.2018</a:t>
             </a:fld>
             <a:endParaRPr lang="de-DE"/>
           </a:p>
@@ -2380,7 +2380,7 @@
           <a:p>
             <a:fld id="{A283A367-2733-4026-AD71-9D3ADEE81B0C}" type="datetimeFigureOut">
               <a:rPr lang="de-DE" smtClean="0"/>
-              <a:t>07.09.2018</a:t>
+              <a:t>08.09.2018</a:t>
             </a:fld>
             <a:endParaRPr lang="de-DE"/>
           </a:p>
@@ -2668,7 +2668,7 @@
           <a:p>
             <a:fld id="{A283A367-2733-4026-AD71-9D3ADEE81B0C}" type="datetimeFigureOut">
               <a:rPr lang="de-DE" smtClean="0"/>
-              <a:t>07.09.2018</a:t>
+              <a:t>08.09.2018</a:t>
             </a:fld>
             <a:endParaRPr lang="de-DE"/>
           </a:p>
@@ -2909,7 +2909,7 @@
           <a:p>
             <a:fld id="{A283A367-2733-4026-AD71-9D3ADEE81B0C}" type="datetimeFigureOut">
               <a:rPr lang="de-DE" smtClean="0"/>
-              <a:t>07.09.2018</a:t>
+              <a:t>08.09.2018</a:t>
             </a:fld>
             <a:endParaRPr lang="de-DE"/>
           </a:p>
@@ -3701,8 +3701,8 @@
         </p:nvSpPr>
         <p:spPr>
           <a:xfrm>
-            <a:off x="9094078" y="2390264"/>
-            <a:ext cx="2849656" cy="925511"/>
+            <a:off x="9094077" y="2390264"/>
+            <a:ext cx="2936583" cy="925511"/>
           </a:xfrm>
           <a:prstGeom prst="rect">
             <a:avLst/>
@@ -3758,14 +3758,25 @@
                 </a:solidFill>
                 <a:latin typeface="Trebuchet MS" panose="020B0603020202020204" pitchFamily="34" charset="0"/>
               </a:rPr>
-              <a:t>Canvas, Homepage, Hintergrundmusik</a:t>
-            </a:r>
-            <a:endParaRPr lang="de-DE" sz="1800" dirty="0">
-              <a:solidFill>
-                <a:srgbClr val="9A141B"/>
-              </a:solidFill>
-              <a:latin typeface="Trebuchet MS" panose="020B0603020202020204" pitchFamily="34" charset="0"/>
-            </a:endParaRPr>
+              <a:t>Canvas, Homepage, </a:t>
+            </a:r>
+            <a:br>
+              <a:rPr lang="de-DE" sz="1800" dirty="0">
+                <a:solidFill>
+                  <a:schemeClr val="tx1"/>
+                </a:solidFill>
+                <a:latin typeface="Trebuchet MS" panose="020B0603020202020204" pitchFamily="34" charset="0"/>
+              </a:rPr>
+            </a:br>
+            <a:r>
+              <a:rPr lang="de-DE" sz="1800" dirty="0">
+                <a:solidFill>
+                  <a:schemeClr val="tx1"/>
+                </a:solidFill>
+                <a:latin typeface="Trebuchet MS" panose="020B0603020202020204" pitchFamily="34" charset="0"/>
+              </a:rPr>
+              <a:t>Container Architektur</a:t>
+            </a:r>
           </a:p>
         </p:txBody>
       </p:sp>
@@ -3928,7 +3939,7 @@
         <p:spPr>
           <a:xfrm>
             <a:off x="9088182" y="3903305"/>
-            <a:ext cx="2781501" cy="925511"/>
+            <a:ext cx="2912007" cy="925511"/>
           </a:xfrm>
           <a:prstGeom prst="rect">
             <a:avLst/>
@@ -3978,30 +3989,58 @@
               </a:rPr>
             </a:br>
             <a:r>
+              <a:rPr lang="de-DE" sz="1800" dirty="0" err="1">
+                <a:solidFill>
+                  <a:schemeClr val="tx1"/>
+                </a:solidFill>
+                <a:latin typeface="Trebuchet MS" panose="020B0603020202020204" pitchFamily="34" charset="0"/>
+              </a:rPr>
+              <a:t>Coperate</a:t>
+            </a:r>
+            <a:r>
               <a:rPr lang="de-DE" sz="1800" dirty="0">
                 <a:solidFill>
                   <a:schemeClr val="tx1"/>
                 </a:solidFill>
                 <a:latin typeface="Trebuchet MS" panose="020B0603020202020204" pitchFamily="34" charset="0"/>
               </a:rPr>
+              <a:t> Design</a:t>
+            </a:r>
+            <a:r>
+              <a:rPr lang="de-DE" sz="1800" dirty="0">
+                <a:solidFill>
+                  <a:srgbClr val="002060"/>
+                </a:solidFill>
+                <a:latin typeface="Trebuchet MS" panose="020B0603020202020204" pitchFamily="34" charset="0"/>
+              </a:rPr>
+              <a:t> </a:t>
+            </a:r>
+            <a:r>
+              <a:rPr lang="de-DE" sz="1800" dirty="0">
+                <a:solidFill>
+                  <a:schemeClr val="tx1"/>
+                </a:solidFill>
+                <a:latin typeface="Trebuchet MS" panose="020B0603020202020204" pitchFamily="34" charset="0"/>
+              </a:rPr>
               <a:t>Spielmenu, </a:t>
             </a:r>
-            <a:br>
+            <a:r>
+              <a:rPr lang="de-DE" sz="1800" dirty="0" err="1">
+                <a:solidFill>
+                  <a:schemeClr val="tx1"/>
+                </a:solidFill>
+                <a:latin typeface="Trebuchet MS" panose="020B0603020202020204" pitchFamily="34" charset="0"/>
+              </a:rPr>
+              <a:t>Helpmenu</a:t>
+            </a:r>
+            <a:r>
               <a:rPr lang="de-DE" sz="1800" dirty="0">
                 <a:solidFill>
                   <a:schemeClr val="tx1"/>
                 </a:solidFill>
                 <a:latin typeface="Trebuchet MS" panose="020B0603020202020204" pitchFamily="34" charset="0"/>
               </a:rPr>
-            </a:br>
-            <a:r>
-              <a:rPr lang="de-DE" sz="1800" dirty="0">
-                <a:solidFill>
-                  <a:schemeClr val="tx1"/>
-                </a:solidFill>
-                <a:latin typeface="Trebuchet MS" panose="020B0603020202020204" pitchFamily="34" charset="0"/>
-              </a:rPr>
-              <a:t>Homepage Design</a:t>
+              <a:t> </a:t>
             </a:r>
           </a:p>
         </p:txBody>
@@ -4020,8 +4059,8 @@
         </p:nvSpPr>
         <p:spPr>
           <a:xfrm>
-            <a:off x="9109878" y="5270125"/>
-            <a:ext cx="2920783" cy="925511"/>
+            <a:off x="9109878" y="5171478"/>
+            <a:ext cx="2920783" cy="1356398"/>
           </a:xfrm>
           <a:prstGeom prst="rect">
             <a:avLst/>
@@ -4091,8 +4130,16 @@
                 </a:solidFill>
                 <a:latin typeface="Trebuchet MS" panose="020B0603020202020204" pitchFamily="34" charset="0"/>
               </a:rPr>
-              <a:t>einfaches Leveldesign </a:t>
-            </a:r>
+              <a:t>Freie Level-Auswahl</a:t>
+            </a:r>
+          </a:p>
+          <a:p>
+            <a:endParaRPr lang="de-DE" sz="1800" dirty="0">
+              <a:solidFill>
+                <a:schemeClr val="tx1"/>
+              </a:solidFill>
+              <a:latin typeface="Trebuchet MS" panose="020B0603020202020204" pitchFamily="34" charset="0"/>
+            </a:endParaRPr>
           </a:p>
         </p:txBody>
       </p:sp>
@@ -5420,7 +5467,23 @@
 </a:theme>
 </file>
 
-<file path=customXml/item1.xml><?xml version="1.0" encoding="utf-8"?>
+<file path=customXml/item1.xml>
+</file>
+
+<file path=customXml/item2.xml>
+</file>
+
+<file path=customXml/item3.xml>
+</file>
+
+<file path=customXml/item4.xml><?xml version="1.0" encoding="utf-8"?>
+<Application xmlns="http://www.sap.com/cof/powerpoint/application">
+  <Version>2</Version>
+  <Revision>2.5.201.74495</Revision>
+</Application>
+</file>
+
+<file path=customXml/item5.xml><?xml version="1.0" encoding="utf-8"?>
 <Application xmlns="http://www.sap.com/cof/ao/powerpoint/application">
   <com.sap.ip.bi.pioneer>
     <Version>4</Version>
@@ -5438,31 +5501,19 @@
 </Application>
 </file>
 
-<file path=customXml/item2.xml><?xml version="1.0" encoding="utf-8"?>
-<Application xmlns="http://www.sap.com/cof/powerpoint/application">
-  <Version>2</Version>
-  <Revision>2.5.201.74495</Revision>
-</Application>
-</file>
-
-<file path=customXml/item3.xml>
-</file>
-
-<file path=customXml/item4.xml>
-</file>
-
-<file path=customXml/item5.xml>
-</file>
-
 <file path=customXml/itemProps1.xml><?xml version="1.0" encoding="utf-8"?>
-<ds:datastoreItem xmlns:ds="http://schemas.openxmlformats.org/officeDocument/2006/customXml" ds:itemID="{44723FA6-B1A5-4CA4-AE18-8FB0E9AA9608}">
-  <ds:schemaRefs>
-    <ds:schemaRef ds:uri="http://www.sap.com/cof/ao/powerpoint/application"/>
-  </ds:schemaRefs>
-</ds:datastoreItem>
+<ds:datastoreItem xmlns:ds="http://schemas.openxmlformats.org/officeDocument/2006/customXml" ds:itemID="{2E4677D1-6936-4BF1-A595-120AC79AD739}"/>
 </file>
 
 <file path=customXml/itemProps2.xml><?xml version="1.0" encoding="utf-8"?>
+<ds:datastoreItem xmlns:ds="http://schemas.openxmlformats.org/officeDocument/2006/customXml" ds:itemID="{B6BA90CD-7BA2-4A10-A93D-C5311E803BD6}"/>
+</file>
+
+<file path=customXml/itemProps3.xml><?xml version="1.0" encoding="utf-8"?>
+<ds:datastoreItem xmlns:ds="http://schemas.openxmlformats.org/officeDocument/2006/customXml" ds:itemID="{BDA0C33A-4E85-4045-9A22-D0C1D2A9BB4D}"/>
+</file>
+
+<file path=customXml/itemProps4.xml><?xml version="1.0" encoding="utf-8"?>
 <ds:datastoreItem xmlns:ds="http://schemas.openxmlformats.org/officeDocument/2006/customXml" ds:itemID="{D45665F1-D73E-49B6-99EF-AB86714A815A}">
   <ds:schemaRefs>
     <ds:schemaRef ds:uri="http://www.sap.com/cof/powerpoint/application"/>
@@ -5470,14 +5521,10 @@
 </ds:datastoreItem>
 </file>
 
-<file path=customXml/itemProps3.xml><?xml version="1.0" encoding="utf-8"?>
-<ds:datastoreItem xmlns:ds="http://schemas.openxmlformats.org/officeDocument/2006/customXml" ds:itemID="{BDA0C33A-4E85-4045-9A22-D0C1D2A9BB4D}"/>
-</file>
-
-<file path=customXml/itemProps4.xml><?xml version="1.0" encoding="utf-8"?>
-<ds:datastoreItem xmlns:ds="http://schemas.openxmlformats.org/officeDocument/2006/customXml" ds:itemID="{B6BA90CD-7BA2-4A10-A93D-C5311E803BD6}"/>
-</file>
-
 <file path=customXml/itemProps5.xml><?xml version="1.0" encoding="utf-8"?>
-<ds:datastoreItem xmlns:ds="http://schemas.openxmlformats.org/officeDocument/2006/customXml" ds:itemID="{2E4677D1-6936-4BF1-A595-120AC79AD739}"/>
+<ds:datastoreItem xmlns:ds="http://schemas.openxmlformats.org/officeDocument/2006/customXml" ds:itemID="{44723FA6-B1A5-4CA4-AE18-8FB0E9AA9608}">
+  <ds:schemaRefs>
+    <ds:schemaRef ds:uri="http://www.sap.com/cof/ao/powerpoint/application"/>
+  </ds:schemaRefs>
+</ds:datastoreItem>
 </file>
--- a/Pitch.pptx
+++ b/Pitch.pptx
@@ -3326,1839 +3326,1860 @@
           <a:chExt cx="0" cy="0"/>
         </a:xfrm>
       </p:grpSpPr>
-      <p:pic>
-        <p:nvPicPr>
-          <p:cNvPr id="3" name="Grafik 2" descr="Ein Bild, das Vogel, Himmel, draußen, Herde enthält.&#10;&#10;Mit sehr hoher Zuverlässigkeit generierte Beschreibung">
-            <a:extLst>
-              <a:ext uri="{FF2B5EF4-FFF2-40B4-BE49-F238E27FC236}">
-                <a16:creationId xmlns:a16="http://schemas.microsoft.com/office/drawing/2014/main" id="{D01FB28E-61E6-4D92-8941-BCDFC1E59652}"/>
-              </a:ext>
-            </a:extLst>
-          </p:cNvPr>
-          <p:cNvPicPr>
-            <a:picLocks noChangeAspect="1"/>
-          </p:cNvPicPr>
-          <p:nvPr>
-            <p:custDataLst>
-              <p:custData r:id="rId1"/>
-            </p:custDataLst>
-          </p:nvPr>
-        </p:nvPicPr>
-        <p:blipFill>
-          <a:blip r:embed="rId3">
-            <a:extLst>
-              <a:ext uri="{28A0092B-C50C-407E-A947-70E740481C1C}">
-                <a14:useLocalDpi xmlns:a14="http://schemas.microsoft.com/office/drawing/2010/main" val="0"/>
-              </a:ext>
-            </a:extLst>
-          </a:blip>
-          <a:stretch>
-            <a:fillRect/>
-          </a:stretch>
-        </p:blipFill>
-        <p:spPr>
+      <p:grpSp>
+        <p:nvGrpSpPr>
+          <p:cNvPr id="9" name="Gruppieren 8">
+            <a:extLst>
+              <a:ext uri="{FF2B5EF4-FFF2-40B4-BE49-F238E27FC236}">
+                <a16:creationId xmlns:a16="http://schemas.microsoft.com/office/drawing/2014/main" id="{97F8B371-A2D5-4C92-9EDF-626C56146343}"/>
+              </a:ext>
+            </a:extLst>
+          </p:cNvPr>
+          <p:cNvGrpSpPr/>
+          <p:nvPr/>
+        </p:nvGrpSpPr>
+        <p:grpSpPr>
           <a:xfrm>
-            <a:off x="0" y="-5129"/>
-            <a:ext cx="12191999" cy="6863129"/>
+            <a:off x="0" y="-25385"/>
+            <a:ext cx="12191999" cy="6883385"/>
+            <a:chOff x="0" y="-25385"/>
+            <a:chExt cx="12191999" cy="6883385"/>
           </a:xfrm>
-          <a:prstGeom prst="rect">
-            <a:avLst/>
-          </a:prstGeom>
-        </p:spPr>
-      </p:pic>
-      <p:sp>
-        <p:nvSpPr>
-          <p:cNvPr id="12" name="Textfeld 11"/>
-          <p:cNvSpPr txBox="1"/>
-          <p:nvPr/>
-        </p:nvSpPr>
-        <p:spPr>
-          <a:xfrm>
-            <a:off x="9026290" y="455727"/>
-            <a:ext cx="1452642" cy="369332"/>
-          </a:xfrm>
-          <a:prstGeom prst="rect">
-            <a:avLst/>
-          </a:prstGeom>
-          <a:noFill/>
-        </p:spPr>
-        <p:txBody>
-          <a:bodyPr wrap="none" rtlCol="0">
-            <a:spAutoFit/>
-          </a:bodyPr>
-          <a:lstStyle/>
-          <a:p>
-            <a:r>
-              <a:rPr lang="de-DE" b="1" dirty="0" err="1">
+        </p:grpSpPr>
+        <p:pic>
+          <p:nvPicPr>
+            <p:cNvPr id="3" name="Grafik 2" descr="Ein Bild, das Vogel, Himmel, draußen, Herde enthält.&#10;&#10;Mit sehr hoher Zuverlässigkeit generierte Beschreibung">
+              <a:extLst>
+                <a:ext uri="{FF2B5EF4-FFF2-40B4-BE49-F238E27FC236}">
+                  <a16:creationId xmlns:a16="http://schemas.microsoft.com/office/drawing/2014/main" id="{D01FB28E-61E6-4D92-8941-BCDFC1E59652}"/>
+                </a:ext>
+              </a:extLst>
+            </p:cNvPr>
+            <p:cNvPicPr>
+              <a:picLocks noChangeAspect="1"/>
+            </p:cNvPicPr>
+            <p:nvPr>
+              <p:custDataLst>
+                <p:custData r:id="rId1"/>
+              </p:custDataLst>
+            </p:nvPr>
+          </p:nvPicPr>
+          <p:blipFill>
+            <a:blip r:embed="rId3">
+              <a:extLst>
+                <a:ext uri="{28A0092B-C50C-407E-A947-70E740481C1C}">
+                  <a14:useLocalDpi xmlns:a14="http://schemas.microsoft.com/office/drawing/2010/main" val="0"/>
+                </a:ext>
+              </a:extLst>
+            </a:blip>
+            <a:stretch>
+              <a:fillRect/>
+            </a:stretch>
+          </p:blipFill>
+          <p:spPr>
+            <a:xfrm>
+              <a:off x="0" y="-5129"/>
+              <a:ext cx="12191999" cy="6863129"/>
+            </a:xfrm>
+            <a:prstGeom prst="rect">
+              <a:avLst/>
+            </a:prstGeom>
+          </p:spPr>
+        </p:pic>
+        <p:sp>
+          <p:nvSpPr>
+            <p:cNvPr id="12" name="Textfeld 11"/>
+            <p:cNvSpPr txBox="1"/>
+            <p:nvPr/>
+          </p:nvSpPr>
+          <p:spPr>
+            <a:xfrm>
+              <a:off x="9026290" y="455727"/>
+              <a:ext cx="1452642" cy="369332"/>
+            </a:xfrm>
+            <a:prstGeom prst="rect">
+              <a:avLst/>
+            </a:prstGeom>
+            <a:noFill/>
+          </p:spPr>
+          <p:txBody>
+            <a:bodyPr wrap="none" rtlCol="0">
+              <a:spAutoFit/>
+            </a:bodyPr>
+            <a:lstStyle/>
+            <a:p>
+              <a:r>
+                <a:rPr lang="de-DE" b="1" dirty="0" err="1">
+                  <a:solidFill>
+                    <a:srgbClr val="876748"/>
+                  </a:solidFill>
+                  <a:latin typeface="Trebuchet MS" panose="020B0603020202020204" pitchFamily="34" charset="0"/>
+                </a:rPr>
+                <a:t>Created</a:t>
+              </a:r>
+              <a:r>
+                <a:rPr lang="de-DE" b="1" dirty="0">
+                  <a:solidFill>
+                    <a:srgbClr val="876748"/>
+                  </a:solidFill>
+                  <a:latin typeface="Trebuchet MS" panose="020B0603020202020204" pitchFamily="34" charset="0"/>
+                </a:rPr>
+                <a:t> </a:t>
+              </a:r>
+              <a:r>
+                <a:rPr lang="de-DE" b="1" dirty="0" err="1">
+                  <a:solidFill>
+                    <a:srgbClr val="876748"/>
+                  </a:solidFill>
+                  <a:latin typeface="Trebuchet MS" panose="020B0603020202020204" pitchFamily="34" charset="0"/>
+                </a:rPr>
+                <a:t>by</a:t>
+              </a:r>
+              <a:r>
+                <a:rPr lang="de-DE" b="1" dirty="0">
+                  <a:solidFill>
+                    <a:srgbClr val="876748"/>
+                  </a:solidFill>
+                  <a:latin typeface="Trebuchet MS" panose="020B0603020202020204" pitchFamily="34" charset="0"/>
+                </a:rPr>
+                <a:t>:</a:t>
+              </a:r>
+            </a:p>
+          </p:txBody>
+        </p:sp>
+        <p:pic>
+          <p:nvPicPr>
+            <p:cNvPr id="16" name="Grafik 15">
+              <a:extLst>
+                <a:ext uri="{FF2B5EF4-FFF2-40B4-BE49-F238E27FC236}">
+                  <a16:creationId xmlns:a16="http://schemas.microsoft.com/office/drawing/2014/main" id="{6DF4B52E-A5C5-4284-9A62-9C2813556018}"/>
+                </a:ext>
+              </a:extLst>
+            </p:cNvPr>
+            <p:cNvPicPr>
+              <a:picLocks noChangeAspect="1"/>
+            </p:cNvPicPr>
+            <p:nvPr/>
+          </p:nvPicPr>
+          <p:blipFill>
+            <a:blip r:embed="rId4">
+              <a:extLst>
+                <a:ext uri="{28A0092B-C50C-407E-A947-70E740481C1C}">
+                  <a14:useLocalDpi xmlns:a14="http://schemas.microsoft.com/office/drawing/2010/main" val="0"/>
+                </a:ext>
+              </a:extLst>
+            </a:blip>
+            <a:stretch>
+              <a:fillRect/>
+            </a:stretch>
+          </p:blipFill>
+          <p:spPr>
+            <a:xfrm>
+              <a:off x="4822945" y="2747776"/>
+              <a:ext cx="2533555" cy="2714523"/>
+            </a:xfrm>
+            <a:prstGeom prst="rect">
+              <a:avLst/>
+            </a:prstGeom>
+          </p:spPr>
+        </p:pic>
+        <p:sp>
+          <p:nvSpPr>
+            <p:cNvPr id="31" name="Rechteck: abgerundete Ecken 30">
+              <a:extLst>
+                <a:ext uri="{FF2B5EF4-FFF2-40B4-BE49-F238E27FC236}">
+                  <a16:creationId xmlns:a16="http://schemas.microsoft.com/office/drawing/2014/main" id="{CF918542-42F2-4D1C-A06F-3D309A13593D}"/>
+                </a:ext>
+              </a:extLst>
+            </p:cNvPr>
+            <p:cNvSpPr/>
+            <p:nvPr/>
+          </p:nvSpPr>
+          <p:spPr>
+            <a:xfrm>
+              <a:off x="148782" y="365671"/>
+              <a:ext cx="3402743" cy="1169610"/>
+            </a:xfrm>
+            <a:prstGeom prst="roundRect">
+              <a:avLst/>
+            </a:prstGeom>
+            <a:solidFill>
+              <a:schemeClr val="bg1">
+                <a:alpha val="66000"/>
+              </a:schemeClr>
+            </a:solidFill>
+            <a:ln>
+              <a:noFill/>
+            </a:ln>
+          </p:spPr>
+          <p:style>
+            <a:lnRef idx="2">
+              <a:schemeClr val="accent1">
+                <a:shade val="50000"/>
+              </a:schemeClr>
+            </a:lnRef>
+            <a:fillRef idx="1">
+              <a:schemeClr val="accent1"/>
+            </a:fillRef>
+            <a:effectRef idx="0">
+              <a:schemeClr val="accent1"/>
+            </a:effectRef>
+            <a:fontRef idx="minor">
+              <a:schemeClr val="lt1"/>
+            </a:fontRef>
+          </p:style>
+          <p:txBody>
+            <a:bodyPr rtlCol="0" anchor="ctr"/>
+            <a:lstStyle/>
+            <a:p>
+              <a:pPr algn="ctr"/>
+              <a:endParaRPr lang="de-DE" dirty="0"/>
+            </a:p>
+          </p:txBody>
+        </p:sp>
+        <p:sp>
+          <p:nvSpPr>
+            <p:cNvPr id="22" name="Textfeld 21">
+              <a:extLst>
+                <a:ext uri="{FF2B5EF4-FFF2-40B4-BE49-F238E27FC236}">
+                  <a16:creationId xmlns:a16="http://schemas.microsoft.com/office/drawing/2014/main" id="{073E8336-E294-4443-88DC-BF5F66E96B03}"/>
+                </a:ext>
+              </a:extLst>
+            </p:cNvPr>
+            <p:cNvSpPr txBox="1"/>
+            <p:nvPr/>
+          </p:nvSpPr>
+          <p:spPr>
+            <a:xfrm>
+              <a:off x="185184" y="468117"/>
+              <a:ext cx="3385551" cy="283557"/>
+            </a:xfrm>
+            <a:prstGeom prst="rect">
+              <a:avLst/>
+            </a:prstGeom>
+            <a:noFill/>
+            <a:ln>
+              <a:noFill/>
+            </a:ln>
+          </p:spPr>
+          <p:txBody>
+            <a:bodyPr wrap="square" lIns="270000" tIns="46800" rIns="270000" bIns="46800" rtlCol="0">
+              <a:spAutoFit/>
+            </a:bodyPr>
+            <a:lstStyle>
+              <a:defPPr>
+                <a:defRPr lang="en-US"/>
+              </a:defPPr>
+              <a:lvl1pPr>
+                <a:spcAft>
+                  <a:spcPts val="1200"/>
+                </a:spcAft>
+                <a:defRPr sz="2000" b="1">
+                  <a:solidFill>
+                    <a:schemeClr val="accent6">
+                      <a:lumMod val="50000"/>
+                    </a:schemeClr>
+                  </a:solidFill>
+                </a:defRPr>
+              </a:lvl1pPr>
+            </a:lstStyle>
+            <a:p>
+              <a:pPr algn="ctr"/>
+              <a:r>
+                <a:rPr lang="de-DE" sz="1800" dirty="0">
+                  <a:solidFill>
+                    <a:schemeClr val="tx1"/>
+                  </a:solidFill>
+                  <a:latin typeface="Trebuchet MS" panose="020B0603020202020204" pitchFamily="34" charset="0"/>
+                </a:rPr>
+                <a:t>Unterstützte Browser:</a:t>
+              </a:r>
+              <a:endParaRPr lang="de-DE" sz="1800" dirty="0">
                 <a:solidFill>
-                  <a:srgbClr val="876748"/>
+                  <a:srgbClr val="9A141B"/>
                 </a:solidFill>
                 <a:latin typeface="Trebuchet MS" panose="020B0603020202020204" pitchFamily="34" charset="0"/>
-              </a:rPr>
-              <a:t>Created</a:t>
-            </a:r>
-            <a:r>
-              <a:rPr lang="de-DE" b="1" dirty="0">
-                <a:solidFill>
-                  <a:srgbClr val="876748"/>
-                </a:solidFill>
-                <a:latin typeface="Trebuchet MS" panose="020B0603020202020204" pitchFamily="34" charset="0"/>
-              </a:rPr>
-              <a:t> </a:t>
-            </a:r>
-            <a:r>
-              <a:rPr lang="de-DE" b="1" dirty="0" err="1">
-                <a:solidFill>
-                  <a:srgbClr val="876748"/>
-                </a:solidFill>
-                <a:latin typeface="Trebuchet MS" panose="020B0603020202020204" pitchFamily="34" charset="0"/>
-              </a:rPr>
-              <a:t>by</a:t>
-            </a:r>
-            <a:r>
-              <a:rPr lang="de-DE" b="1" dirty="0">
-                <a:solidFill>
-                  <a:srgbClr val="876748"/>
-                </a:solidFill>
-                <a:latin typeface="Trebuchet MS" panose="020B0603020202020204" pitchFamily="34" charset="0"/>
-              </a:rPr>
-              <a:t>:</a:t>
-            </a:r>
-          </a:p>
-        </p:txBody>
-      </p:sp>
-      <p:pic>
-        <p:nvPicPr>
-          <p:cNvPr id="16" name="Grafik 15">
-            <a:extLst>
-              <a:ext uri="{FF2B5EF4-FFF2-40B4-BE49-F238E27FC236}">
-                <a16:creationId xmlns:a16="http://schemas.microsoft.com/office/drawing/2014/main" id="{6DF4B52E-A5C5-4284-9A62-9C2813556018}"/>
-              </a:ext>
-            </a:extLst>
-          </p:cNvPr>
-          <p:cNvPicPr>
-            <a:picLocks noChangeAspect="1"/>
-          </p:cNvPicPr>
-          <p:nvPr/>
-        </p:nvPicPr>
-        <p:blipFill>
-          <a:blip r:embed="rId4">
-            <a:extLst>
-              <a:ext uri="{28A0092B-C50C-407E-A947-70E740481C1C}">
-                <a14:useLocalDpi xmlns:a14="http://schemas.microsoft.com/office/drawing/2010/main" val="0"/>
-              </a:ext>
-            </a:extLst>
-          </a:blip>
-          <a:stretch>
-            <a:fillRect/>
-          </a:stretch>
-        </p:blipFill>
-        <p:spPr>
-          <a:xfrm>
-            <a:off x="4822945" y="2747776"/>
-            <a:ext cx="2533555" cy="2714523"/>
-          </a:xfrm>
-          <a:prstGeom prst="rect">
-            <a:avLst/>
-          </a:prstGeom>
-        </p:spPr>
-      </p:pic>
-      <p:sp>
-        <p:nvSpPr>
-          <p:cNvPr id="31" name="Rechteck: abgerundete Ecken 30">
-            <a:extLst>
-              <a:ext uri="{FF2B5EF4-FFF2-40B4-BE49-F238E27FC236}">
-                <a16:creationId xmlns:a16="http://schemas.microsoft.com/office/drawing/2014/main" id="{CF918542-42F2-4D1C-A06F-3D309A13593D}"/>
-              </a:ext>
-            </a:extLst>
-          </p:cNvPr>
-          <p:cNvSpPr/>
-          <p:nvPr/>
-        </p:nvSpPr>
-        <p:spPr>
-          <a:xfrm>
-            <a:off x="148782" y="365671"/>
-            <a:ext cx="3402743" cy="1169610"/>
-          </a:xfrm>
-          <a:prstGeom prst="roundRect">
-            <a:avLst/>
-          </a:prstGeom>
-          <a:solidFill>
-            <a:schemeClr val="bg1">
-              <a:alpha val="66000"/>
-            </a:schemeClr>
-          </a:solidFill>
-          <a:ln>
+              </a:endParaRPr>
+            </a:p>
+          </p:txBody>
+        </p:sp>
+        <p:pic>
+          <p:nvPicPr>
+            <p:cNvPr id="1032" name="Picture 8" descr="Bildergebnis fÃ¼r browser logos transparent">
+              <a:extLst>
+                <a:ext uri="{FF2B5EF4-FFF2-40B4-BE49-F238E27FC236}">
+                  <a16:creationId xmlns:a16="http://schemas.microsoft.com/office/drawing/2014/main" id="{F9AFA32F-1665-4449-A328-5E6F1E167524}"/>
+                </a:ext>
+              </a:extLst>
+            </p:cNvPr>
+            <p:cNvPicPr>
+              <a:picLocks noChangeAspect="1" noChangeArrowheads="1"/>
+            </p:cNvPicPr>
+            <p:nvPr/>
+          </p:nvPicPr>
+          <p:blipFill rotWithShape="1">
+            <a:blip r:embed="rId5">
+              <a:extLst>
+                <a:ext uri="{28A0092B-C50C-407E-A947-70E740481C1C}">
+                  <a14:useLocalDpi xmlns:a14="http://schemas.microsoft.com/office/drawing/2010/main" val="0"/>
+                </a:ext>
+              </a:extLst>
+            </a:blip>
+            <a:srcRect r="20078"/>
+            <a:stretch/>
+          </p:blipFill>
+          <p:spPr bwMode="auto">
+            <a:xfrm>
+              <a:off x="386208" y="812121"/>
+              <a:ext cx="2280657" cy="656230"/>
+            </a:xfrm>
+            <a:prstGeom prst="rect">
+              <a:avLst/>
+            </a:prstGeom>
             <a:noFill/>
-          </a:ln>
-        </p:spPr>
-        <p:style>
-          <a:lnRef idx="2">
-            <a:schemeClr val="accent1">
-              <a:shade val="50000"/>
-            </a:schemeClr>
-          </a:lnRef>
-          <a:fillRef idx="1">
-            <a:schemeClr val="accent1"/>
-          </a:fillRef>
-          <a:effectRef idx="0">
-            <a:schemeClr val="accent1"/>
-          </a:effectRef>
-          <a:fontRef idx="minor">
-            <a:schemeClr val="lt1"/>
-          </a:fontRef>
-        </p:style>
-        <p:txBody>
-          <a:bodyPr rtlCol="0" anchor="ctr"/>
-          <a:lstStyle/>
-          <a:p>
-            <a:pPr algn="ctr"/>
-            <a:endParaRPr lang="de-DE" dirty="0"/>
-          </a:p>
-        </p:txBody>
-      </p:sp>
-      <p:sp>
-        <p:nvSpPr>
-          <p:cNvPr id="22" name="Textfeld 21">
-            <a:extLst>
-              <a:ext uri="{FF2B5EF4-FFF2-40B4-BE49-F238E27FC236}">
-                <a16:creationId xmlns:a16="http://schemas.microsoft.com/office/drawing/2014/main" id="{073E8336-E294-4443-88DC-BF5F66E96B03}"/>
-              </a:ext>
-            </a:extLst>
-          </p:cNvPr>
-          <p:cNvSpPr txBox="1"/>
-          <p:nvPr/>
-        </p:nvSpPr>
-        <p:spPr>
-          <a:xfrm>
-            <a:off x="185184" y="468117"/>
-            <a:ext cx="3385551" cy="283557"/>
-          </a:xfrm>
-          <a:prstGeom prst="rect">
-            <a:avLst/>
-          </a:prstGeom>
-          <a:noFill/>
-          <a:ln>
+            <a:ln>
+              <a:noFill/>
+            </a:ln>
+            <a:extLst>
+              <a:ext uri="{909E8E84-426E-40DD-AFC4-6F175D3DCCD1}">
+                <a14:hiddenFill xmlns:a14="http://schemas.microsoft.com/office/drawing/2010/main">
+                  <a:solidFill>
+                    <a:srgbClr val="FFFFFF"/>
+                  </a:solidFill>
+                </a14:hiddenFill>
+              </a:ext>
+            </a:extLst>
+          </p:spPr>
+        </p:pic>
+        <p:sp>
+          <p:nvSpPr>
+            <p:cNvPr id="21" name="Rechteck: abgerundete Ecken 20">
+              <a:extLst>
+                <a:ext uri="{FF2B5EF4-FFF2-40B4-BE49-F238E27FC236}">
+                  <a16:creationId xmlns:a16="http://schemas.microsoft.com/office/drawing/2014/main" id="{2C94D8CE-C945-48F0-AEC2-C82294135D4D}"/>
+                </a:ext>
+              </a:extLst>
+            </p:cNvPr>
+            <p:cNvSpPr/>
+            <p:nvPr/>
+          </p:nvSpPr>
+          <p:spPr>
+            <a:xfrm>
+              <a:off x="8243312" y="2248728"/>
+              <a:ext cx="3787349" cy="4239940"/>
+            </a:xfrm>
+            <a:prstGeom prst="roundRect">
+              <a:avLst>
+                <a:gd name="adj" fmla="val 5601"/>
+              </a:avLst>
+            </a:prstGeom>
+            <a:solidFill>
+              <a:schemeClr val="bg1">
+                <a:alpha val="66000"/>
+              </a:schemeClr>
+            </a:solidFill>
+            <a:ln>
+              <a:noFill/>
+            </a:ln>
+          </p:spPr>
+          <p:style>
+            <a:lnRef idx="2">
+              <a:schemeClr val="accent1">
+                <a:shade val="50000"/>
+              </a:schemeClr>
+            </a:lnRef>
+            <a:fillRef idx="1">
+              <a:schemeClr val="accent1"/>
+            </a:fillRef>
+            <a:effectRef idx="0">
+              <a:schemeClr val="accent1"/>
+            </a:effectRef>
+            <a:fontRef idx="minor">
+              <a:schemeClr val="lt1"/>
+            </a:fontRef>
+          </p:style>
+          <p:txBody>
+            <a:bodyPr rtlCol="0" anchor="ctr"/>
+            <a:lstStyle/>
+            <a:p>
+              <a:pPr algn="ctr"/>
+              <a:endParaRPr lang="de-DE" dirty="0"/>
+            </a:p>
+          </p:txBody>
+        </p:sp>
+        <p:sp>
+          <p:nvSpPr>
+            <p:cNvPr id="20" name="Textfeld 19">
+              <a:extLst>
+                <a:ext uri="{FF2B5EF4-FFF2-40B4-BE49-F238E27FC236}">
+                  <a16:creationId xmlns:a16="http://schemas.microsoft.com/office/drawing/2014/main" id="{9A5E0F5B-3D32-4C65-8183-5607D531EB72}"/>
+                </a:ext>
+              </a:extLst>
+            </p:cNvPr>
+            <p:cNvSpPr txBox="1"/>
+            <p:nvPr/>
+          </p:nvSpPr>
+          <p:spPr>
+            <a:xfrm>
+              <a:off x="9094077" y="2390264"/>
+              <a:ext cx="2936583" cy="925511"/>
+            </a:xfrm>
+            <a:prstGeom prst="rect">
+              <a:avLst/>
+            </a:prstGeom>
             <a:noFill/>
-          </a:ln>
-        </p:spPr>
-        <p:txBody>
-          <a:bodyPr wrap="square" lIns="270000" tIns="46800" rIns="270000" bIns="46800" rtlCol="0">
-            <a:spAutoFit/>
-          </a:bodyPr>
-          <a:lstStyle>
-            <a:defPPr>
-              <a:defRPr lang="en-US"/>
-            </a:defPPr>
-            <a:lvl1pPr>
-              <a:spcAft>
-                <a:spcPts val="1200"/>
-              </a:spcAft>
-              <a:defRPr sz="2000" b="1">
-                <a:solidFill>
-                  <a:schemeClr val="accent6">
-                    <a:lumMod val="50000"/>
-                  </a:schemeClr>
-                </a:solidFill>
-              </a:defRPr>
-            </a:lvl1pPr>
-          </a:lstStyle>
-          <a:p>
-            <a:pPr algn="ctr"/>
-            <a:r>
-              <a:rPr lang="de-DE" sz="1800" dirty="0">
+            <a:ln>
+              <a:noFill/>
+            </a:ln>
+          </p:spPr>
+          <p:txBody>
+            <a:bodyPr wrap="square" lIns="270000" tIns="46800" rIns="270000" bIns="46800" rtlCol="0">
+              <a:spAutoFit/>
+            </a:bodyPr>
+            <a:lstStyle>
+              <a:defPPr>
+                <a:defRPr lang="en-US"/>
+              </a:defPPr>
+              <a:lvl1pPr>
+                <a:spcAft>
+                  <a:spcPts val="1200"/>
+                </a:spcAft>
+                <a:defRPr sz="2000" b="1">
+                  <a:solidFill>
+                    <a:schemeClr val="accent6">
+                      <a:lumMod val="50000"/>
+                    </a:schemeClr>
+                  </a:solidFill>
+                </a:defRPr>
+              </a:lvl1pPr>
+            </a:lstStyle>
+            <a:p>
+              <a:r>
+                <a:rPr lang="de-DE" sz="1800" dirty="0">
+                  <a:solidFill>
+                    <a:srgbClr val="C00000"/>
+                  </a:solidFill>
+                  <a:latin typeface="Trebuchet MS" panose="020B0603020202020204" pitchFamily="34" charset="0"/>
+                </a:rPr>
+                <a:t>HTML5: </a:t>
+              </a:r>
+              <a:br>
+                <a:rPr lang="de-DE" sz="1800" dirty="0">
+                  <a:solidFill>
+                    <a:schemeClr val="tx1"/>
+                  </a:solidFill>
+                  <a:latin typeface="Trebuchet MS" panose="020B0603020202020204" pitchFamily="34" charset="0"/>
+                </a:rPr>
+              </a:br>
+              <a:r>
+                <a:rPr lang="de-DE" sz="1800" dirty="0">
+                  <a:solidFill>
+                    <a:schemeClr val="tx1"/>
+                  </a:solidFill>
+                  <a:latin typeface="Trebuchet MS" panose="020B0603020202020204" pitchFamily="34" charset="0"/>
+                </a:rPr>
+                <a:t>Canvas, Homepage, </a:t>
+              </a:r>
+              <a:br>
+                <a:rPr lang="de-DE" sz="1800" dirty="0">
+                  <a:solidFill>
+                    <a:schemeClr val="tx1"/>
+                  </a:solidFill>
+                  <a:latin typeface="Trebuchet MS" panose="020B0603020202020204" pitchFamily="34" charset="0"/>
+                </a:rPr>
+              </a:br>
+              <a:r>
+                <a:rPr lang="de-DE" sz="1800" dirty="0">
+                  <a:solidFill>
+                    <a:schemeClr val="tx1"/>
+                  </a:solidFill>
+                  <a:latin typeface="Trebuchet MS" panose="020B0603020202020204" pitchFamily="34" charset="0"/>
+                </a:rPr>
+                <a:t>Container Architektur</a:t>
+              </a:r>
+            </a:p>
+          </p:txBody>
+        </p:sp>
+        <p:pic>
+          <p:nvPicPr>
+            <p:cNvPr id="1026" name="Picture 2" descr="Bildergebnis fÃ¼r js css html transparent">
+              <a:extLst>
+                <a:ext uri="{FF2B5EF4-FFF2-40B4-BE49-F238E27FC236}">
+                  <a16:creationId xmlns:a16="http://schemas.microsoft.com/office/drawing/2014/main" id="{246EDC5A-1DB8-42C5-871D-B375DAE83AF9}"/>
+                </a:ext>
+              </a:extLst>
+            </p:cNvPr>
+            <p:cNvPicPr>
+              <a:picLocks noChangeAspect="1" noChangeArrowheads="1"/>
+            </p:cNvPicPr>
+            <p:nvPr/>
+          </p:nvPicPr>
+          <p:blipFill rotWithShape="1">
+            <a:blip r:embed="rId6">
+              <a:extLst>
+                <a:ext uri="{28A0092B-C50C-407E-A947-70E740481C1C}">
+                  <a14:useLocalDpi xmlns:a14="http://schemas.microsoft.com/office/drawing/2010/main" val="0"/>
+                </a:ext>
+              </a:extLst>
+            </a:blip>
+            <a:srcRect l="66286"/>
+            <a:stretch/>
+          </p:blipFill>
+          <p:spPr bwMode="auto">
+            <a:xfrm>
+              <a:off x="8442895" y="5114166"/>
+              <a:ext cx="710800" cy="1235358"/>
+            </a:xfrm>
+            <a:prstGeom prst="rect">
+              <a:avLst/>
+            </a:prstGeom>
+            <a:noFill/>
+            <a:ln>
+              <a:noFill/>
+            </a:ln>
+            <a:extLst>
+              <a:ext uri="{909E8E84-426E-40DD-AFC4-6F175D3DCCD1}">
+                <a14:hiddenFill xmlns:a14="http://schemas.microsoft.com/office/drawing/2010/main">
+                  <a:solidFill>
+                    <a:srgbClr val="FFFFFF"/>
+                  </a:solidFill>
+                </a14:hiddenFill>
+              </a:ext>
+            </a:extLst>
+          </p:spPr>
+        </p:pic>
+        <p:pic>
+          <p:nvPicPr>
+            <p:cNvPr id="23" name="Picture 2" descr="Bildergebnis fÃ¼r js css html transparent">
+              <a:extLst>
+                <a:ext uri="{FF2B5EF4-FFF2-40B4-BE49-F238E27FC236}">
+                  <a16:creationId xmlns:a16="http://schemas.microsoft.com/office/drawing/2014/main" id="{50B4B5E3-988A-4CCE-A3A0-2158A52591A2}"/>
+                </a:ext>
+              </a:extLst>
+            </p:cNvPr>
+            <p:cNvPicPr>
+              <a:picLocks noChangeAspect="1" noChangeArrowheads="1"/>
+            </p:cNvPicPr>
+            <p:nvPr/>
+          </p:nvPicPr>
+          <p:blipFill rotWithShape="1">
+            <a:blip r:embed="rId6">
+              <a:extLst>
+                <a:ext uri="{28A0092B-C50C-407E-A947-70E740481C1C}">
+                  <a14:useLocalDpi xmlns:a14="http://schemas.microsoft.com/office/drawing/2010/main" val="0"/>
+                </a:ext>
+              </a:extLst>
+            </a:blip>
+            <a:srcRect l="32973" r="33314"/>
+            <a:stretch/>
+          </p:blipFill>
+          <p:spPr bwMode="auto">
+            <a:xfrm>
+              <a:off x="8442894" y="3713225"/>
+              <a:ext cx="710800" cy="1235358"/>
+            </a:xfrm>
+            <a:prstGeom prst="rect">
+              <a:avLst/>
+            </a:prstGeom>
+            <a:noFill/>
+            <a:ln>
+              <a:noFill/>
+            </a:ln>
+            <a:extLst>
+              <a:ext uri="{909E8E84-426E-40DD-AFC4-6F175D3DCCD1}">
+                <a14:hiddenFill xmlns:a14="http://schemas.microsoft.com/office/drawing/2010/main">
+                  <a:solidFill>
+                    <a:srgbClr val="FFFFFF"/>
+                  </a:solidFill>
+                </a14:hiddenFill>
+              </a:ext>
+            </a:extLst>
+          </p:spPr>
+        </p:pic>
+        <p:pic>
+          <p:nvPicPr>
+            <p:cNvPr id="24" name="Picture 2" descr="Bildergebnis fÃ¼r js css html transparent">
+              <a:extLst>
+                <a:ext uri="{FF2B5EF4-FFF2-40B4-BE49-F238E27FC236}">
+                  <a16:creationId xmlns:a16="http://schemas.microsoft.com/office/drawing/2014/main" id="{565F55FD-BA50-44F9-8F33-BCC147611E1A}"/>
+                </a:ext>
+              </a:extLst>
+            </p:cNvPr>
+            <p:cNvPicPr>
+              <a:picLocks noChangeAspect="1" noChangeArrowheads="1"/>
+            </p:cNvPicPr>
+            <p:nvPr/>
+          </p:nvPicPr>
+          <p:blipFill rotWithShape="1">
+            <a:blip r:embed="rId6">
+              <a:extLst>
+                <a:ext uri="{28A0092B-C50C-407E-A947-70E740481C1C}">
+                  <a14:useLocalDpi xmlns:a14="http://schemas.microsoft.com/office/drawing/2010/main" val="0"/>
+                </a:ext>
+              </a:extLst>
+            </a:blip>
+            <a:srcRect r="66286"/>
+            <a:stretch/>
+          </p:blipFill>
+          <p:spPr bwMode="auto">
+            <a:xfrm>
+              <a:off x="8442894" y="2312285"/>
+              <a:ext cx="710801" cy="1235358"/>
+            </a:xfrm>
+            <a:prstGeom prst="rect">
+              <a:avLst/>
+            </a:prstGeom>
+            <a:noFill/>
+            <a:ln>
+              <a:noFill/>
+            </a:ln>
+            <a:extLst>
+              <a:ext uri="{909E8E84-426E-40DD-AFC4-6F175D3DCCD1}">
+                <a14:hiddenFill xmlns:a14="http://schemas.microsoft.com/office/drawing/2010/main">
+                  <a:solidFill>
+                    <a:srgbClr val="FFFFFF"/>
+                  </a:solidFill>
+                </a14:hiddenFill>
+              </a:ext>
+            </a:extLst>
+          </p:spPr>
+        </p:pic>
+        <p:sp>
+          <p:nvSpPr>
+            <p:cNvPr id="25" name="Textfeld 24">
+              <a:extLst>
+                <a:ext uri="{FF2B5EF4-FFF2-40B4-BE49-F238E27FC236}">
+                  <a16:creationId xmlns:a16="http://schemas.microsoft.com/office/drawing/2014/main" id="{79394670-688F-4E94-99A9-6BEC9849F2C0}"/>
+                </a:ext>
+              </a:extLst>
+            </p:cNvPr>
+            <p:cNvSpPr txBox="1"/>
+            <p:nvPr/>
+          </p:nvSpPr>
+          <p:spPr>
+            <a:xfrm>
+              <a:off x="9088182" y="3903305"/>
+              <a:ext cx="2912007" cy="925511"/>
+            </a:xfrm>
+            <a:prstGeom prst="rect">
+              <a:avLst/>
+            </a:prstGeom>
+            <a:noFill/>
+            <a:ln>
+              <a:noFill/>
+            </a:ln>
+          </p:spPr>
+          <p:txBody>
+            <a:bodyPr wrap="square" lIns="270000" tIns="46800" rIns="270000" bIns="46800" rtlCol="0">
+              <a:spAutoFit/>
+            </a:bodyPr>
+            <a:lstStyle>
+              <a:defPPr>
+                <a:defRPr lang="en-US"/>
+              </a:defPPr>
+              <a:lvl1pPr>
+                <a:spcAft>
+                  <a:spcPts val="1200"/>
+                </a:spcAft>
+                <a:defRPr sz="2000" b="1">
+                  <a:solidFill>
+                    <a:schemeClr val="accent6">
+                      <a:lumMod val="50000"/>
+                    </a:schemeClr>
+                  </a:solidFill>
+                </a:defRPr>
+              </a:lvl1pPr>
+            </a:lstStyle>
+            <a:p>
+              <a:r>
+                <a:rPr lang="de-DE" sz="1800" dirty="0">
+                  <a:solidFill>
+                    <a:srgbClr val="002060"/>
+                  </a:solidFill>
+                  <a:latin typeface="Trebuchet MS" panose="020B0603020202020204" pitchFamily="34" charset="0"/>
+                </a:rPr>
+                <a:t>CSS Styles:</a:t>
+              </a:r>
+              <a:br>
+                <a:rPr lang="de-DE" sz="1800" dirty="0">
+                  <a:solidFill>
+                    <a:srgbClr val="002060"/>
+                  </a:solidFill>
+                  <a:latin typeface="Trebuchet MS" panose="020B0603020202020204" pitchFamily="34" charset="0"/>
+                </a:rPr>
+              </a:br>
+              <a:r>
+                <a:rPr lang="de-DE" sz="1800" dirty="0" err="1">
+                  <a:solidFill>
+                    <a:schemeClr val="tx1"/>
+                  </a:solidFill>
+                  <a:latin typeface="Trebuchet MS" panose="020B0603020202020204" pitchFamily="34" charset="0"/>
+                </a:rPr>
+                <a:t>Coperate</a:t>
+              </a:r>
+              <a:r>
+                <a:rPr lang="de-DE" sz="1800" dirty="0">
+                  <a:solidFill>
+                    <a:schemeClr val="tx1"/>
+                  </a:solidFill>
+                  <a:latin typeface="Trebuchet MS" panose="020B0603020202020204" pitchFamily="34" charset="0"/>
+                </a:rPr>
+                <a:t> Design</a:t>
+              </a:r>
+              <a:r>
+                <a:rPr lang="de-DE" sz="1800" dirty="0">
+                  <a:solidFill>
+                    <a:srgbClr val="002060"/>
+                  </a:solidFill>
+                  <a:latin typeface="Trebuchet MS" panose="020B0603020202020204" pitchFamily="34" charset="0"/>
+                </a:rPr>
+                <a:t> </a:t>
+              </a:r>
+              <a:r>
+                <a:rPr lang="de-DE" sz="1800" dirty="0">
+                  <a:solidFill>
+                    <a:schemeClr val="tx1"/>
+                  </a:solidFill>
+                  <a:latin typeface="Trebuchet MS" panose="020B0603020202020204" pitchFamily="34" charset="0"/>
+                </a:rPr>
+                <a:t>Spielmenu, </a:t>
+              </a:r>
+              <a:r>
+                <a:rPr lang="de-DE" sz="1800" dirty="0" err="1">
+                  <a:solidFill>
+                    <a:schemeClr val="tx1"/>
+                  </a:solidFill>
+                  <a:latin typeface="Trebuchet MS" panose="020B0603020202020204" pitchFamily="34" charset="0"/>
+                </a:rPr>
+                <a:t>Helpmenu</a:t>
+              </a:r>
+              <a:r>
+                <a:rPr lang="de-DE" sz="1800" dirty="0">
+                  <a:solidFill>
+                    <a:schemeClr val="tx1"/>
+                  </a:solidFill>
+                  <a:latin typeface="Trebuchet MS" panose="020B0603020202020204" pitchFamily="34" charset="0"/>
+                </a:rPr>
+                <a:t> </a:t>
+              </a:r>
+            </a:p>
+          </p:txBody>
+        </p:sp>
+        <p:sp>
+          <p:nvSpPr>
+            <p:cNvPr id="26" name="Textfeld 25">
+              <a:extLst>
+                <a:ext uri="{FF2B5EF4-FFF2-40B4-BE49-F238E27FC236}">
+                  <a16:creationId xmlns:a16="http://schemas.microsoft.com/office/drawing/2014/main" id="{54B4CD94-DCBA-4BE8-8139-1F2FADA3A165}"/>
+                </a:ext>
+              </a:extLst>
+            </p:cNvPr>
+            <p:cNvSpPr txBox="1"/>
+            <p:nvPr/>
+          </p:nvSpPr>
+          <p:spPr>
+            <a:xfrm>
+              <a:off x="9109878" y="5171478"/>
+              <a:ext cx="2920783" cy="1356398"/>
+            </a:xfrm>
+            <a:prstGeom prst="rect">
+              <a:avLst/>
+            </a:prstGeom>
+            <a:noFill/>
+            <a:ln>
+              <a:noFill/>
+            </a:ln>
+          </p:spPr>
+          <p:txBody>
+            <a:bodyPr wrap="square" lIns="270000" tIns="46800" rIns="270000" bIns="46800" rtlCol="0">
+              <a:spAutoFit/>
+            </a:bodyPr>
+            <a:lstStyle>
+              <a:defPPr>
+                <a:defRPr lang="en-US"/>
+              </a:defPPr>
+              <a:lvl1pPr>
+                <a:spcAft>
+                  <a:spcPts val="1200"/>
+                </a:spcAft>
+                <a:defRPr sz="2000" b="1">
+                  <a:solidFill>
+                    <a:schemeClr val="accent6">
+                      <a:lumMod val="50000"/>
+                    </a:schemeClr>
+                  </a:solidFill>
+                </a:defRPr>
+              </a:lvl1pPr>
+            </a:lstStyle>
+            <a:p>
+              <a:r>
+                <a:rPr lang="de-DE" sz="1800" dirty="0">
+                  <a:latin typeface="Trebuchet MS" panose="020B0603020202020204" pitchFamily="34" charset="0"/>
+                </a:rPr>
+                <a:t>JavaScript: </a:t>
+              </a:r>
+              <a:br>
+                <a:rPr lang="de-DE" sz="1800" dirty="0">
+                  <a:solidFill>
+                    <a:schemeClr val="tx1"/>
+                  </a:solidFill>
+                  <a:latin typeface="Trebuchet MS" panose="020B0603020202020204" pitchFamily="34" charset="0"/>
+                </a:rPr>
+              </a:br>
+              <a:r>
+                <a:rPr lang="de-DE" sz="1800" dirty="0">
+                  <a:solidFill>
+                    <a:schemeClr val="tx1"/>
+                  </a:solidFill>
+                  <a:latin typeface="Trebuchet MS" panose="020B0603020202020204" pitchFamily="34" charset="0"/>
+                </a:rPr>
+                <a:t>Animationen, Sounds, </a:t>
+              </a:r>
+              <a:br>
+                <a:rPr lang="de-DE" sz="1800" dirty="0">
+                  <a:solidFill>
+                    <a:schemeClr val="tx1"/>
+                  </a:solidFill>
+                  <a:latin typeface="Trebuchet MS" panose="020B0603020202020204" pitchFamily="34" charset="0"/>
+                </a:rPr>
+              </a:br>
+              <a:r>
+                <a:rPr lang="de-DE" sz="1800" dirty="0">
+                  <a:solidFill>
+                    <a:schemeClr val="tx1"/>
+                  </a:solidFill>
+                  <a:latin typeface="Trebuchet MS" panose="020B0603020202020204" pitchFamily="34" charset="0"/>
+                </a:rPr>
+                <a:t>Freie Level-Auswahl</a:t>
+              </a:r>
+            </a:p>
+            <a:p>
+              <a:endParaRPr lang="de-DE" sz="1800" dirty="0">
                 <a:solidFill>
                   <a:schemeClr val="tx1"/>
                 </a:solidFill>
                 <a:latin typeface="Trebuchet MS" panose="020B0603020202020204" pitchFamily="34" charset="0"/>
-              </a:rPr>
-              <a:t>Unterstützte Browser:</a:t>
-            </a:r>
-            <a:endParaRPr lang="de-DE" sz="1800" dirty="0">
-              <a:solidFill>
-                <a:srgbClr val="9A141B"/>
-              </a:solidFill>
-              <a:latin typeface="Trebuchet MS" panose="020B0603020202020204" pitchFamily="34" charset="0"/>
-            </a:endParaRPr>
-          </a:p>
-        </p:txBody>
-      </p:sp>
-      <p:pic>
-        <p:nvPicPr>
-          <p:cNvPr id="1032" name="Picture 8" descr="Bildergebnis fÃ¼r browser logos transparent">
-            <a:extLst>
-              <a:ext uri="{FF2B5EF4-FFF2-40B4-BE49-F238E27FC236}">
-                <a16:creationId xmlns:a16="http://schemas.microsoft.com/office/drawing/2014/main" id="{F9AFA32F-1665-4449-A328-5E6F1E167524}"/>
-              </a:ext>
-            </a:extLst>
-          </p:cNvPr>
-          <p:cNvPicPr>
-            <a:picLocks noChangeAspect="1" noChangeArrowheads="1"/>
-          </p:cNvPicPr>
-          <p:nvPr/>
-        </p:nvPicPr>
-        <p:blipFill rotWithShape="1">
-          <a:blip r:embed="rId5">
-            <a:extLst>
-              <a:ext uri="{28A0092B-C50C-407E-A947-70E740481C1C}">
-                <a14:useLocalDpi xmlns:a14="http://schemas.microsoft.com/office/drawing/2010/main" val="0"/>
-              </a:ext>
-            </a:extLst>
-          </a:blip>
-          <a:srcRect r="20078"/>
-          <a:stretch/>
-        </p:blipFill>
-        <p:spPr bwMode="auto">
-          <a:xfrm>
-            <a:off x="386208" y="812121"/>
-            <a:ext cx="2280657" cy="656230"/>
-          </a:xfrm>
-          <a:prstGeom prst="rect">
-            <a:avLst/>
-          </a:prstGeom>
-          <a:noFill/>
-          <a:ln>
+              </a:endParaRPr>
+            </a:p>
+          </p:txBody>
+        </p:sp>
+        <p:sp>
+          <p:nvSpPr>
+            <p:cNvPr id="4" name="Rechteck: abgerundete Ecken 3">
+              <a:extLst>
+                <a:ext uri="{FF2B5EF4-FFF2-40B4-BE49-F238E27FC236}">
+                  <a16:creationId xmlns:a16="http://schemas.microsoft.com/office/drawing/2014/main" id="{D293DC60-853A-4AA6-99A9-26049C4AD75F}"/>
+                </a:ext>
+              </a:extLst>
+            </p:cNvPr>
+            <p:cNvSpPr/>
+            <p:nvPr/>
+          </p:nvSpPr>
+          <p:spPr>
+            <a:xfrm>
+              <a:off x="160843" y="1951679"/>
+              <a:ext cx="3438780" cy="4536989"/>
+            </a:xfrm>
+            <a:prstGeom prst="roundRect">
+              <a:avLst>
+                <a:gd name="adj" fmla="val 7249"/>
+              </a:avLst>
+            </a:prstGeom>
+            <a:solidFill>
+              <a:schemeClr val="bg1">
+                <a:alpha val="66000"/>
+              </a:schemeClr>
+            </a:solidFill>
+            <a:ln>
+              <a:noFill/>
+            </a:ln>
+          </p:spPr>
+          <p:style>
+            <a:lnRef idx="2">
+              <a:schemeClr val="accent1">
+                <a:shade val="50000"/>
+              </a:schemeClr>
+            </a:lnRef>
+            <a:fillRef idx="1">
+              <a:schemeClr val="accent1"/>
+            </a:fillRef>
+            <a:effectRef idx="0">
+              <a:schemeClr val="accent1"/>
+            </a:effectRef>
+            <a:fontRef idx="minor">
+              <a:schemeClr val="lt1"/>
+            </a:fontRef>
+          </p:style>
+          <p:txBody>
+            <a:bodyPr rtlCol="0" anchor="ctr"/>
+            <a:lstStyle/>
+            <a:p>
+              <a:pPr algn="ctr"/>
+              <a:endParaRPr lang="de-DE"/>
+            </a:p>
+          </p:txBody>
+        </p:sp>
+        <p:sp>
+          <p:nvSpPr>
+            <p:cNvPr id="5" name="Textfeld 4">
+              <a:extLst>
+                <a:ext uri="{FF2B5EF4-FFF2-40B4-BE49-F238E27FC236}">
+                  <a16:creationId xmlns:a16="http://schemas.microsoft.com/office/drawing/2014/main" id="{C623507A-656C-4E50-BEFC-5CE180CFD06A}"/>
+                </a:ext>
+              </a:extLst>
+            </p:cNvPr>
+            <p:cNvSpPr txBox="1"/>
+            <p:nvPr/>
+          </p:nvSpPr>
+          <p:spPr>
+            <a:xfrm>
+              <a:off x="925128" y="2195314"/>
+              <a:ext cx="2864111" cy="285131"/>
+            </a:xfrm>
+            <a:prstGeom prst="rect">
+              <a:avLst/>
+            </a:prstGeom>
             <a:noFill/>
-          </a:ln>
-          <a:extLst>
-            <a:ext uri="{909E8E84-426E-40DD-AFC4-6F175D3DCCD1}">
-              <a14:hiddenFill xmlns:a14="http://schemas.microsoft.com/office/drawing/2010/main">
-                <a:solidFill>
-                  <a:srgbClr val="FFFFFF"/>
-                </a:solidFill>
-              </a14:hiddenFill>
-            </a:ext>
-          </a:extLst>
-        </p:spPr>
-      </p:pic>
-      <p:sp>
-        <p:nvSpPr>
-          <p:cNvPr id="21" name="Rechteck: abgerundete Ecken 20">
-            <a:extLst>
-              <a:ext uri="{FF2B5EF4-FFF2-40B4-BE49-F238E27FC236}">
-                <a16:creationId xmlns:a16="http://schemas.microsoft.com/office/drawing/2014/main" id="{2C94D8CE-C945-48F0-AEC2-C82294135D4D}"/>
-              </a:ext>
-            </a:extLst>
-          </p:cNvPr>
-          <p:cNvSpPr/>
-          <p:nvPr/>
-        </p:nvSpPr>
-        <p:spPr>
-          <a:xfrm>
-            <a:off x="8243312" y="2248728"/>
-            <a:ext cx="3787349" cy="4239940"/>
-          </a:xfrm>
-          <a:prstGeom prst="roundRect">
-            <a:avLst>
-              <a:gd name="adj" fmla="val 5601"/>
-            </a:avLst>
-          </a:prstGeom>
-          <a:solidFill>
-            <a:schemeClr val="bg1">
-              <a:alpha val="66000"/>
-            </a:schemeClr>
-          </a:solidFill>
-          <a:ln>
+            <a:ln>
+              <a:noFill/>
+            </a:ln>
+          </p:spPr>
+          <p:txBody>
+            <a:bodyPr wrap="square" lIns="270000" tIns="46800" rIns="270000" bIns="46800" rtlCol="0">
+              <a:spAutoFit/>
+            </a:bodyPr>
+            <a:lstStyle>
+              <a:defPPr>
+                <a:defRPr lang="en-US"/>
+              </a:defPPr>
+              <a:lvl1pPr>
+                <a:spcAft>
+                  <a:spcPts val="1200"/>
+                </a:spcAft>
+                <a:defRPr sz="2000" b="1">
+                  <a:solidFill>
+                    <a:schemeClr val="accent6">
+                      <a:lumMod val="50000"/>
+                    </a:schemeClr>
+                  </a:solidFill>
+                </a:defRPr>
+              </a:lvl1pPr>
+            </a:lstStyle>
+            <a:p>
+              <a:r>
+                <a:rPr lang="de-DE" sz="1800" dirty="0">
+                  <a:solidFill>
+                    <a:srgbClr val="9A141B"/>
+                  </a:solidFill>
+                  <a:latin typeface="Trebuchet MS" panose="020B0603020202020204" pitchFamily="34" charset="0"/>
+                </a:rPr>
+                <a:t>Iss</a:t>
+              </a:r>
+              <a:r>
+                <a:rPr lang="de-DE" sz="1800" dirty="0">
+                  <a:solidFill>
+                    <a:srgbClr val="374649"/>
+                  </a:solidFill>
+                  <a:latin typeface="Trebuchet MS" panose="020B0603020202020204" pitchFamily="34" charset="0"/>
+                </a:rPr>
+                <a:t> </a:t>
+              </a:r>
+              <a:r>
+                <a:rPr lang="de-DE" sz="1800" b="0" dirty="0">
+                  <a:solidFill>
+                    <a:schemeClr val="tx1"/>
+                  </a:solidFill>
+                  <a:latin typeface="Trebuchet MS" panose="020B0603020202020204" pitchFamily="34" charset="0"/>
+                </a:rPr>
+                <a:t>alle</a:t>
+              </a:r>
+              <a:r>
+                <a:rPr lang="de-DE" sz="1800" b="0" dirty="0">
+                  <a:solidFill>
+                    <a:srgbClr val="374649"/>
+                  </a:solidFill>
+                  <a:latin typeface="Trebuchet MS" panose="020B0603020202020204" pitchFamily="34" charset="0"/>
+                </a:rPr>
+                <a:t> </a:t>
+              </a:r>
+              <a:r>
+                <a:rPr lang="de-DE" sz="1800" dirty="0">
+                  <a:solidFill>
+                    <a:srgbClr val="9A141B"/>
+                  </a:solidFill>
+                  <a:latin typeface="Trebuchet MS" panose="020B0603020202020204" pitchFamily="34" charset="0"/>
+                </a:rPr>
+                <a:t>Cookies</a:t>
+              </a:r>
+            </a:p>
+          </p:txBody>
+        </p:sp>
+        <p:pic>
+          <p:nvPicPr>
+            <p:cNvPr id="7" name="Grafik 6" descr="Ein Bild, das Wirbellose, Tier enthält.&#10;&#10;Mit hoher Zuverlässigkeit generierte Beschreibung">
+              <a:extLst>
+                <a:ext uri="{FF2B5EF4-FFF2-40B4-BE49-F238E27FC236}">
+                  <a16:creationId xmlns:a16="http://schemas.microsoft.com/office/drawing/2014/main" id="{ACF5B025-D6EE-428F-907F-C603026A6562}"/>
+                </a:ext>
+              </a:extLst>
+            </p:cNvPr>
+            <p:cNvPicPr>
+              <a:picLocks noChangeAspect="1"/>
+            </p:cNvPicPr>
+            <p:nvPr/>
+          </p:nvPicPr>
+          <p:blipFill>
+            <a:blip r:embed="rId7">
+              <a:extLst>
+                <a:ext uri="{28A0092B-C50C-407E-A947-70E740481C1C}">
+                  <a14:useLocalDpi xmlns:a14="http://schemas.microsoft.com/office/drawing/2010/main" val="0"/>
+                </a:ext>
+              </a:extLst>
+            </a:blip>
+            <a:stretch>
+              <a:fillRect/>
+            </a:stretch>
+          </p:blipFill>
+          <p:spPr>
+            <a:xfrm>
+              <a:off x="327328" y="2064991"/>
+              <a:ext cx="616642" cy="616642"/>
+            </a:xfrm>
+            <a:prstGeom prst="rect">
+              <a:avLst/>
+            </a:prstGeom>
+            <a:ln>
+              <a:noFill/>
+            </a:ln>
+          </p:spPr>
+        </p:pic>
+        <p:pic>
+          <p:nvPicPr>
+            <p:cNvPr id="6" name="Grafik 5">
+              <a:extLst>
+                <a:ext uri="{FF2B5EF4-FFF2-40B4-BE49-F238E27FC236}">
+                  <a16:creationId xmlns:a16="http://schemas.microsoft.com/office/drawing/2014/main" id="{FA54DEE6-0FD6-4F02-B7AA-002C2FB73148}"/>
+                </a:ext>
+              </a:extLst>
+            </p:cNvPr>
+            <p:cNvPicPr>
+              <a:picLocks noChangeAspect="1"/>
+            </p:cNvPicPr>
+            <p:nvPr/>
+          </p:nvPicPr>
+          <p:blipFill>
+            <a:blip r:embed="rId8">
+              <a:extLst>
+                <a:ext uri="{28A0092B-C50C-407E-A947-70E740481C1C}">
+                  <a14:useLocalDpi xmlns:a14="http://schemas.microsoft.com/office/drawing/2010/main" val="0"/>
+                </a:ext>
+              </a:extLst>
+            </a:blip>
+            <a:stretch>
+              <a:fillRect/>
+            </a:stretch>
+          </p:blipFill>
+          <p:spPr>
+            <a:xfrm>
+              <a:off x="383012" y="3049427"/>
+              <a:ext cx="532695" cy="532695"/>
+            </a:xfrm>
+            <a:prstGeom prst="rect">
+              <a:avLst/>
+            </a:prstGeom>
+            <a:ln>
+              <a:noFill/>
+            </a:ln>
+          </p:spPr>
+        </p:pic>
+        <p:pic>
+          <p:nvPicPr>
+            <p:cNvPr id="13" name="Grafik 12">
+              <a:extLst>
+                <a:ext uri="{FF2B5EF4-FFF2-40B4-BE49-F238E27FC236}">
+                  <a16:creationId xmlns:a16="http://schemas.microsoft.com/office/drawing/2014/main" id="{1D96C4BB-9A3A-4CA6-8956-4170A3A06F4D}"/>
+                </a:ext>
+              </a:extLst>
+            </p:cNvPr>
+            <p:cNvPicPr>
+              <a:picLocks noChangeAspect="1"/>
+            </p:cNvPicPr>
+            <p:nvPr/>
+          </p:nvPicPr>
+          <p:blipFill>
+            <a:blip r:embed="rId9">
+              <a:extLst>
+                <a:ext uri="{28A0092B-C50C-407E-A947-70E740481C1C}">
+                  <a14:useLocalDpi xmlns:a14="http://schemas.microsoft.com/office/drawing/2010/main" val="0"/>
+                </a:ext>
+              </a:extLst>
+            </a:blip>
+            <a:stretch>
+              <a:fillRect/>
+            </a:stretch>
+          </p:blipFill>
+          <p:spPr>
+            <a:xfrm>
+              <a:off x="173168" y="4753472"/>
+              <a:ext cx="616642" cy="616642"/>
+            </a:xfrm>
+            <a:prstGeom prst="rect">
+              <a:avLst/>
+            </a:prstGeom>
+            <a:ln>
+              <a:noFill/>
+            </a:ln>
+          </p:spPr>
+        </p:pic>
+        <p:pic>
+          <p:nvPicPr>
+            <p:cNvPr id="15" name="Grafik 14" descr="Stoppuhr">
+              <a:extLst>
+                <a:ext uri="{FF2B5EF4-FFF2-40B4-BE49-F238E27FC236}">
+                  <a16:creationId xmlns:a16="http://schemas.microsoft.com/office/drawing/2014/main" id="{44699B91-CB7B-4A8F-A4DB-B697ED06F03E}"/>
+                </a:ext>
+              </a:extLst>
+            </p:cNvPr>
+            <p:cNvPicPr>
+              <a:picLocks noChangeAspect="1"/>
+            </p:cNvPicPr>
+            <p:nvPr/>
+          </p:nvPicPr>
+          <p:blipFill>
+            <a:blip r:embed="rId10">
+              <a:extLst>
+                <a:ext uri="{28A0092B-C50C-407E-A947-70E740481C1C}">
+                  <a14:useLocalDpi xmlns:a14="http://schemas.microsoft.com/office/drawing/2010/main" val="0"/>
+                </a:ext>
+                <a:ext uri="{96DAC541-7B7A-43D3-8B79-37D633B846F1}">
+                  <asvg:svgBlip xmlns:asvg="http://schemas.microsoft.com/office/drawing/2016/SVG/main" r:embed="rId11"/>
+                </a:ext>
+              </a:extLst>
+            </a:blip>
+            <a:stretch>
+              <a:fillRect/>
+            </a:stretch>
+          </p:blipFill>
+          <p:spPr>
+            <a:xfrm>
+              <a:off x="284754" y="5578496"/>
+              <a:ext cx="701790" cy="701790"/>
+            </a:xfrm>
+            <a:prstGeom prst="rect">
+              <a:avLst/>
+            </a:prstGeom>
+          </p:spPr>
+        </p:pic>
+        <p:pic>
+          <p:nvPicPr>
+            <p:cNvPr id="8" name="Grafik 7">
+              <a:extLst>
+                <a:ext uri="{FF2B5EF4-FFF2-40B4-BE49-F238E27FC236}">
+                  <a16:creationId xmlns:a16="http://schemas.microsoft.com/office/drawing/2014/main" id="{847ED87D-BC21-4B57-8DE3-B7B280656437}"/>
+                </a:ext>
+              </a:extLst>
+            </p:cNvPr>
+            <p:cNvPicPr>
+              <a:picLocks noChangeAspect="1"/>
+            </p:cNvPicPr>
+            <p:nvPr/>
+          </p:nvPicPr>
+          <p:blipFill>
+            <a:blip r:embed="rId12">
+              <a:extLst>
+                <a:ext uri="{28A0092B-C50C-407E-A947-70E740481C1C}">
+                  <a14:useLocalDpi xmlns:a14="http://schemas.microsoft.com/office/drawing/2010/main" val="0"/>
+                </a:ext>
+              </a:extLst>
+            </a:blip>
+            <a:stretch>
+              <a:fillRect/>
+            </a:stretch>
+          </p:blipFill>
+          <p:spPr>
+            <a:xfrm>
+              <a:off x="481489" y="4753473"/>
+              <a:ext cx="616641" cy="616641"/>
+            </a:xfrm>
+            <a:prstGeom prst="rect">
+              <a:avLst/>
+            </a:prstGeom>
+            <a:ln>
+              <a:noFill/>
+            </a:ln>
+          </p:spPr>
+        </p:pic>
+        <p:sp>
+          <p:nvSpPr>
+            <p:cNvPr id="27" name="Textfeld 26">
+              <a:extLst>
+                <a:ext uri="{FF2B5EF4-FFF2-40B4-BE49-F238E27FC236}">
+                  <a16:creationId xmlns:a16="http://schemas.microsoft.com/office/drawing/2014/main" id="{3CAB2ECF-497D-4B65-8232-274F6AB0E1D3}"/>
+                </a:ext>
+              </a:extLst>
+            </p:cNvPr>
+            <p:cNvSpPr txBox="1"/>
+            <p:nvPr/>
+          </p:nvSpPr>
+          <p:spPr>
+            <a:xfrm>
+              <a:off x="915707" y="2995465"/>
+              <a:ext cx="2864111" cy="497724"/>
+            </a:xfrm>
+            <a:prstGeom prst="rect">
+              <a:avLst/>
+            </a:prstGeom>
             <a:noFill/>
-          </a:ln>
-        </p:spPr>
-        <p:style>
-          <a:lnRef idx="2">
-            <a:schemeClr val="accent1">
-              <a:shade val="50000"/>
-            </a:schemeClr>
-          </a:lnRef>
-          <a:fillRef idx="1">
-            <a:schemeClr val="accent1"/>
-          </a:fillRef>
-          <a:effectRef idx="0">
-            <a:schemeClr val="accent1"/>
-          </a:effectRef>
-          <a:fontRef idx="minor">
-            <a:schemeClr val="lt1"/>
-          </a:fontRef>
-        </p:style>
-        <p:txBody>
-          <a:bodyPr rtlCol="0" anchor="ctr"/>
-          <a:lstStyle/>
-          <a:p>
-            <a:pPr algn="ctr"/>
-            <a:endParaRPr lang="de-DE" dirty="0"/>
-          </a:p>
-        </p:txBody>
-      </p:sp>
-      <p:sp>
-        <p:nvSpPr>
-          <p:cNvPr id="20" name="Textfeld 19">
-            <a:extLst>
-              <a:ext uri="{FF2B5EF4-FFF2-40B4-BE49-F238E27FC236}">
-                <a16:creationId xmlns:a16="http://schemas.microsoft.com/office/drawing/2014/main" id="{9A5E0F5B-3D32-4C65-8183-5607D531EB72}"/>
-              </a:ext>
-            </a:extLst>
-          </p:cNvPr>
-          <p:cNvSpPr txBox="1"/>
-          <p:nvPr/>
-        </p:nvSpPr>
-        <p:spPr>
-          <a:xfrm>
-            <a:off x="9094077" y="2390264"/>
-            <a:ext cx="2936583" cy="925511"/>
-          </a:xfrm>
-          <a:prstGeom prst="rect">
-            <a:avLst/>
-          </a:prstGeom>
-          <a:noFill/>
-          <a:ln>
+            <a:ln>
+              <a:noFill/>
+            </a:ln>
+          </p:spPr>
+          <p:txBody>
+            <a:bodyPr wrap="square" lIns="270000" tIns="46800" rIns="270000" bIns="46800" rtlCol="0">
+              <a:spAutoFit/>
+            </a:bodyPr>
+            <a:lstStyle>
+              <a:defPPr>
+                <a:defRPr lang="en-US"/>
+              </a:defPPr>
+              <a:lvl1pPr>
+                <a:spcAft>
+                  <a:spcPts val="1200"/>
+                </a:spcAft>
+                <a:defRPr sz="2000" b="1">
+                  <a:solidFill>
+                    <a:schemeClr val="accent6">
+                      <a:lumMod val="50000"/>
+                    </a:schemeClr>
+                  </a:solidFill>
+                </a:defRPr>
+              </a:lvl1pPr>
+            </a:lstStyle>
+            <a:p>
+              <a:r>
+                <a:rPr lang="de-DE" sz="1800" dirty="0">
+                  <a:solidFill>
+                    <a:schemeClr val="tx1"/>
+                  </a:solidFill>
+                  <a:latin typeface="Trebuchet MS" panose="020B0603020202020204" pitchFamily="34" charset="0"/>
+                </a:rPr>
+                <a:t>Berühre</a:t>
+              </a:r>
+              <a:r>
+                <a:rPr lang="de-DE" sz="1800" dirty="0">
+                  <a:solidFill>
+                    <a:srgbClr val="9A141B"/>
+                  </a:solidFill>
+                  <a:latin typeface="Trebuchet MS" panose="020B0603020202020204" pitchFamily="34" charset="0"/>
+                </a:rPr>
+                <a:t> nicht</a:t>
+              </a:r>
+              <a:r>
+                <a:rPr lang="de-DE" sz="1800" dirty="0">
+                  <a:solidFill>
+                    <a:schemeClr val="tx1"/>
+                  </a:solidFill>
+                  <a:latin typeface="Trebuchet MS" panose="020B0603020202020204" pitchFamily="34" charset="0"/>
+                </a:rPr>
+                <a:t> </a:t>
+              </a:r>
+              <a:br>
+                <a:rPr lang="de-DE" sz="1800" dirty="0">
+                  <a:solidFill>
+                    <a:schemeClr val="tx1"/>
+                  </a:solidFill>
+                  <a:latin typeface="Trebuchet MS" panose="020B0603020202020204" pitchFamily="34" charset="0"/>
+                </a:rPr>
+              </a:br>
+              <a:r>
+                <a:rPr lang="de-DE" sz="1800" dirty="0">
+                  <a:solidFill>
+                    <a:schemeClr val="tx1"/>
+                  </a:solidFill>
+                  <a:latin typeface="Trebuchet MS" panose="020B0603020202020204" pitchFamily="34" charset="0"/>
+                </a:rPr>
+                <a:t>die </a:t>
+              </a:r>
+              <a:r>
+                <a:rPr lang="de-DE" sz="1800" dirty="0">
+                  <a:solidFill>
+                    <a:srgbClr val="D46EFF"/>
+                  </a:solidFill>
+                  <a:latin typeface="Trebuchet MS" panose="020B0603020202020204" pitchFamily="34" charset="0"/>
+                </a:rPr>
+                <a:t>rosa</a:t>
+              </a:r>
+              <a:r>
+                <a:rPr lang="de-DE" sz="1800" dirty="0">
+                  <a:solidFill>
+                    <a:srgbClr val="9A141B"/>
+                  </a:solidFill>
+                  <a:latin typeface="Trebuchet MS" panose="020B0603020202020204" pitchFamily="34" charset="0"/>
+                </a:rPr>
+                <a:t> </a:t>
+              </a:r>
+              <a:r>
+                <a:rPr lang="de-DE" sz="1800" dirty="0">
+                  <a:solidFill>
+                    <a:srgbClr val="D46EFF"/>
+                  </a:solidFill>
+                  <a:latin typeface="Trebuchet MS" panose="020B0603020202020204" pitchFamily="34" charset="0"/>
+                </a:rPr>
+                <a:t>Milch</a:t>
+              </a:r>
+            </a:p>
+          </p:txBody>
+        </p:sp>
+        <p:sp>
+          <p:nvSpPr>
+            <p:cNvPr id="28" name="Textfeld 27">
+              <a:extLst>
+                <a:ext uri="{FF2B5EF4-FFF2-40B4-BE49-F238E27FC236}">
+                  <a16:creationId xmlns:a16="http://schemas.microsoft.com/office/drawing/2014/main" id="{84566637-8846-47A7-978D-781447F32FFF}"/>
+                </a:ext>
+              </a:extLst>
+            </p:cNvPr>
+            <p:cNvSpPr txBox="1"/>
+            <p:nvPr/>
+          </p:nvSpPr>
+          <p:spPr>
+            <a:xfrm>
+              <a:off x="925128" y="3938091"/>
+              <a:ext cx="2864111" cy="497724"/>
+            </a:xfrm>
+            <a:prstGeom prst="rect">
+              <a:avLst/>
+            </a:prstGeom>
             <a:noFill/>
-          </a:ln>
-        </p:spPr>
-        <p:txBody>
-          <a:bodyPr wrap="square" lIns="270000" tIns="46800" rIns="270000" bIns="46800" rtlCol="0">
-            <a:spAutoFit/>
-          </a:bodyPr>
-          <a:lstStyle>
-            <a:defPPr>
-              <a:defRPr lang="en-US"/>
-            </a:defPPr>
-            <a:lvl1pPr>
-              <a:spcAft>
-                <a:spcPts val="1200"/>
-              </a:spcAft>
-              <a:defRPr sz="2000" b="1">
-                <a:solidFill>
-                  <a:schemeClr val="accent6">
-                    <a:lumMod val="50000"/>
-                  </a:schemeClr>
-                </a:solidFill>
-              </a:defRPr>
-            </a:lvl1pPr>
-          </a:lstStyle>
-          <a:p>
-            <a:r>
-              <a:rPr lang="de-DE" sz="1800" dirty="0">
-                <a:solidFill>
-                  <a:srgbClr val="C00000"/>
-                </a:solidFill>
-                <a:latin typeface="Trebuchet MS" panose="020B0603020202020204" pitchFamily="34" charset="0"/>
-              </a:rPr>
-              <a:t>HTML5: </a:t>
-            </a:r>
-            <a:br>
-              <a:rPr lang="de-DE" sz="1800" dirty="0">
-                <a:solidFill>
-                  <a:schemeClr val="tx1"/>
-                </a:solidFill>
-                <a:latin typeface="Trebuchet MS" panose="020B0603020202020204" pitchFamily="34" charset="0"/>
-              </a:rPr>
-            </a:br>
-            <a:r>
-              <a:rPr lang="de-DE" sz="1800" dirty="0">
-                <a:solidFill>
-                  <a:schemeClr val="tx1"/>
-                </a:solidFill>
-                <a:latin typeface="Trebuchet MS" panose="020B0603020202020204" pitchFamily="34" charset="0"/>
-              </a:rPr>
-              <a:t>Canvas, Homepage, </a:t>
-            </a:r>
-            <a:br>
-              <a:rPr lang="de-DE" sz="1800" dirty="0">
-                <a:solidFill>
-                  <a:schemeClr val="tx1"/>
-                </a:solidFill>
-                <a:latin typeface="Trebuchet MS" panose="020B0603020202020204" pitchFamily="34" charset="0"/>
-              </a:rPr>
-            </a:br>
-            <a:r>
-              <a:rPr lang="de-DE" sz="1800" dirty="0">
-                <a:solidFill>
-                  <a:schemeClr val="tx1"/>
-                </a:solidFill>
-                <a:latin typeface="Trebuchet MS" panose="020B0603020202020204" pitchFamily="34" charset="0"/>
-              </a:rPr>
-              <a:t>Container Architektur</a:t>
-            </a:r>
-          </a:p>
-        </p:txBody>
-      </p:sp>
-      <p:pic>
-        <p:nvPicPr>
-          <p:cNvPr id="1026" name="Picture 2" descr="Bildergebnis fÃ¼r js css html transparent">
-            <a:extLst>
-              <a:ext uri="{FF2B5EF4-FFF2-40B4-BE49-F238E27FC236}">
-                <a16:creationId xmlns:a16="http://schemas.microsoft.com/office/drawing/2014/main" id="{246EDC5A-1DB8-42C5-871D-B375DAE83AF9}"/>
-              </a:ext>
-            </a:extLst>
-          </p:cNvPr>
-          <p:cNvPicPr>
-            <a:picLocks noChangeAspect="1" noChangeArrowheads="1"/>
-          </p:cNvPicPr>
-          <p:nvPr/>
-        </p:nvPicPr>
-        <p:blipFill rotWithShape="1">
-          <a:blip r:embed="rId6">
-            <a:extLst>
-              <a:ext uri="{28A0092B-C50C-407E-A947-70E740481C1C}">
-                <a14:useLocalDpi xmlns:a14="http://schemas.microsoft.com/office/drawing/2010/main" val="0"/>
-              </a:ext>
-            </a:extLst>
-          </a:blip>
-          <a:srcRect l="66286"/>
-          <a:stretch/>
-        </p:blipFill>
-        <p:spPr bwMode="auto">
-          <a:xfrm>
-            <a:off x="8442895" y="5114166"/>
-            <a:ext cx="710800" cy="1235358"/>
-          </a:xfrm>
-          <a:prstGeom prst="rect">
-            <a:avLst/>
-          </a:prstGeom>
-          <a:noFill/>
-          <a:ln>
+            <a:ln>
+              <a:noFill/>
+            </a:ln>
+          </p:spPr>
+          <p:txBody>
+            <a:bodyPr wrap="square" lIns="270000" tIns="46800" rIns="270000" bIns="46800" rtlCol="0">
+              <a:spAutoFit/>
+            </a:bodyPr>
+            <a:lstStyle>
+              <a:defPPr>
+                <a:defRPr lang="en-US"/>
+              </a:defPPr>
+              <a:lvl1pPr>
+                <a:spcAft>
+                  <a:spcPts val="1200"/>
+                </a:spcAft>
+                <a:defRPr sz="2000" b="1">
+                  <a:solidFill>
+                    <a:schemeClr val="accent6">
+                      <a:lumMod val="50000"/>
+                    </a:schemeClr>
+                  </a:solidFill>
+                </a:defRPr>
+              </a:lvl1pPr>
+            </a:lstStyle>
+            <a:p>
+              <a:r>
+                <a:rPr lang="de-DE" sz="1800" b="0" dirty="0">
+                  <a:solidFill>
+                    <a:schemeClr val="tx1"/>
+                  </a:solidFill>
+                  <a:latin typeface="Trebuchet MS" panose="020B0603020202020204" pitchFamily="34" charset="0"/>
+                </a:rPr>
+                <a:t>Nimm dich vor dem </a:t>
+              </a:r>
+              <a:br>
+                <a:rPr lang="de-DE" sz="1800" b="0" dirty="0">
+                  <a:solidFill>
+                    <a:schemeClr val="tx1"/>
+                  </a:solidFill>
+                  <a:latin typeface="Trebuchet MS" panose="020B0603020202020204" pitchFamily="34" charset="0"/>
+                </a:rPr>
+              </a:br>
+              <a:r>
+                <a:rPr lang="de-DE" sz="1800" dirty="0">
+                  <a:solidFill>
+                    <a:srgbClr val="9A141B"/>
+                  </a:solidFill>
+                  <a:latin typeface="Trebuchet MS" panose="020B0603020202020204" pitchFamily="34" charset="0"/>
+                </a:rPr>
+                <a:t>Zahnrad </a:t>
+              </a:r>
+              <a:r>
+                <a:rPr lang="de-DE" sz="1800" dirty="0">
+                  <a:solidFill>
+                    <a:schemeClr val="tx1"/>
+                  </a:solidFill>
+                  <a:latin typeface="Trebuchet MS" panose="020B0603020202020204" pitchFamily="34" charset="0"/>
+                </a:rPr>
+                <a:t>in</a:t>
+              </a:r>
+              <a:r>
+                <a:rPr lang="de-DE" sz="1800" dirty="0">
+                  <a:solidFill>
+                    <a:srgbClr val="9A141B"/>
+                  </a:solidFill>
+                  <a:latin typeface="Trebuchet MS" panose="020B0603020202020204" pitchFamily="34" charset="0"/>
+                </a:rPr>
+                <a:t> Acht</a:t>
+              </a:r>
+            </a:p>
+          </p:txBody>
+        </p:sp>
+        <p:sp>
+          <p:nvSpPr>
+            <p:cNvPr id="29" name="Textfeld 28">
+              <a:extLst>
+                <a:ext uri="{FF2B5EF4-FFF2-40B4-BE49-F238E27FC236}">
+                  <a16:creationId xmlns:a16="http://schemas.microsoft.com/office/drawing/2014/main" id="{8FE1DB8C-96E1-481E-BCE8-B83F933839C4}"/>
+                </a:ext>
+              </a:extLst>
+            </p:cNvPr>
+            <p:cNvSpPr txBox="1"/>
+            <p:nvPr/>
+          </p:nvSpPr>
+          <p:spPr>
+            <a:xfrm>
+              <a:off x="915707" y="4886347"/>
+              <a:ext cx="2864111" cy="285131"/>
+            </a:xfrm>
+            <a:prstGeom prst="rect">
+              <a:avLst/>
+            </a:prstGeom>
             <a:noFill/>
-          </a:ln>
-          <a:extLst>
-            <a:ext uri="{909E8E84-426E-40DD-AFC4-6F175D3DCCD1}">
-              <a14:hiddenFill xmlns:a14="http://schemas.microsoft.com/office/drawing/2010/main">
-                <a:solidFill>
-                  <a:srgbClr val="FFFFFF"/>
-                </a:solidFill>
-              </a14:hiddenFill>
-            </a:ext>
-          </a:extLst>
-        </p:spPr>
-      </p:pic>
-      <p:pic>
-        <p:nvPicPr>
-          <p:cNvPr id="23" name="Picture 2" descr="Bildergebnis fÃ¼r js css html transparent">
-            <a:extLst>
-              <a:ext uri="{FF2B5EF4-FFF2-40B4-BE49-F238E27FC236}">
-                <a16:creationId xmlns:a16="http://schemas.microsoft.com/office/drawing/2014/main" id="{50B4B5E3-988A-4CCE-A3A0-2158A52591A2}"/>
-              </a:ext>
-            </a:extLst>
-          </p:cNvPr>
-          <p:cNvPicPr>
-            <a:picLocks noChangeAspect="1" noChangeArrowheads="1"/>
-          </p:cNvPicPr>
-          <p:nvPr/>
-        </p:nvPicPr>
-        <p:blipFill rotWithShape="1">
-          <a:blip r:embed="rId6">
-            <a:extLst>
-              <a:ext uri="{28A0092B-C50C-407E-A947-70E740481C1C}">
-                <a14:useLocalDpi xmlns:a14="http://schemas.microsoft.com/office/drawing/2010/main" val="0"/>
-              </a:ext>
-            </a:extLst>
-          </a:blip>
-          <a:srcRect l="32973" r="33314"/>
-          <a:stretch/>
-        </p:blipFill>
-        <p:spPr bwMode="auto">
-          <a:xfrm>
-            <a:off x="8442894" y="3713225"/>
-            <a:ext cx="710800" cy="1235358"/>
-          </a:xfrm>
-          <a:prstGeom prst="rect">
-            <a:avLst/>
-          </a:prstGeom>
-          <a:noFill/>
-          <a:ln>
+            <a:ln>
+              <a:noFill/>
+            </a:ln>
+          </p:spPr>
+          <p:txBody>
+            <a:bodyPr wrap="square" lIns="270000" tIns="46800" rIns="270000" bIns="46800" rtlCol="0">
+              <a:spAutoFit/>
+            </a:bodyPr>
+            <a:lstStyle>
+              <a:defPPr>
+                <a:defRPr lang="en-US"/>
+              </a:defPPr>
+              <a:lvl1pPr>
+                <a:spcAft>
+                  <a:spcPts val="1200"/>
+                </a:spcAft>
+                <a:defRPr sz="2000" b="1">
+                  <a:solidFill>
+                    <a:schemeClr val="accent6">
+                      <a:lumMod val="50000"/>
+                    </a:schemeClr>
+                  </a:solidFill>
+                </a:defRPr>
+              </a:lvl1pPr>
+            </a:lstStyle>
+            <a:p>
+              <a:r>
+                <a:rPr lang="de-DE" sz="1800" dirty="0">
+                  <a:solidFill>
+                    <a:srgbClr val="9A141B"/>
+                  </a:solidFill>
+                  <a:latin typeface="Trebuchet MS" panose="020B0603020202020204" pitchFamily="34" charset="0"/>
+                </a:rPr>
+                <a:t>Achte </a:t>
+              </a:r>
+              <a:r>
+                <a:rPr lang="de-DE" sz="1800" b="0" dirty="0">
+                  <a:solidFill>
+                    <a:schemeClr val="tx1"/>
+                  </a:solidFill>
+                  <a:latin typeface="Trebuchet MS" panose="020B0603020202020204" pitchFamily="34" charset="0"/>
+                </a:rPr>
+                <a:t>auf dein </a:t>
+              </a:r>
+              <a:r>
+                <a:rPr lang="de-DE" sz="1800" dirty="0">
+                  <a:solidFill>
+                    <a:srgbClr val="9A141B"/>
+                  </a:solidFill>
+                  <a:latin typeface="Trebuchet MS" panose="020B0603020202020204" pitchFamily="34" charset="0"/>
+                </a:rPr>
+                <a:t>Leben</a:t>
+              </a:r>
+            </a:p>
+          </p:txBody>
+        </p:sp>
+        <p:sp>
+          <p:nvSpPr>
+            <p:cNvPr id="30" name="Textfeld 29">
+              <a:extLst>
+                <a:ext uri="{FF2B5EF4-FFF2-40B4-BE49-F238E27FC236}">
+                  <a16:creationId xmlns:a16="http://schemas.microsoft.com/office/drawing/2014/main" id="{FF242151-034E-4CAC-95D1-09DCD551B015}"/>
+                </a:ext>
+              </a:extLst>
+            </p:cNvPr>
+            <p:cNvSpPr txBox="1"/>
+            <p:nvPr/>
+          </p:nvSpPr>
+          <p:spPr>
+            <a:xfrm>
+              <a:off x="924525" y="5638943"/>
+              <a:ext cx="2864111" cy="615831"/>
+            </a:xfrm>
+            <a:prstGeom prst="rect">
+              <a:avLst/>
+            </a:prstGeom>
             <a:noFill/>
-          </a:ln>
-          <a:extLst>
-            <a:ext uri="{909E8E84-426E-40DD-AFC4-6F175D3DCCD1}">
-              <a14:hiddenFill xmlns:a14="http://schemas.microsoft.com/office/drawing/2010/main">
-                <a:solidFill>
-                  <a:srgbClr val="FFFFFF"/>
-                </a:solidFill>
-              </a14:hiddenFill>
-            </a:ext>
-          </a:extLst>
-        </p:spPr>
-      </p:pic>
-      <p:pic>
-        <p:nvPicPr>
-          <p:cNvPr id="24" name="Picture 2" descr="Bildergebnis fÃ¼r js css html transparent">
-            <a:extLst>
-              <a:ext uri="{FF2B5EF4-FFF2-40B4-BE49-F238E27FC236}">
-                <a16:creationId xmlns:a16="http://schemas.microsoft.com/office/drawing/2014/main" id="{565F55FD-BA50-44F9-8F33-BCC147611E1A}"/>
-              </a:ext>
-            </a:extLst>
-          </p:cNvPr>
-          <p:cNvPicPr>
-            <a:picLocks noChangeAspect="1" noChangeArrowheads="1"/>
-          </p:cNvPicPr>
-          <p:nvPr/>
-        </p:nvPicPr>
-        <p:blipFill rotWithShape="1">
-          <a:blip r:embed="rId6">
-            <a:extLst>
-              <a:ext uri="{28A0092B-C50C-407E-A947-70E740481C1C}">
-                <a14:useLocalDpi xmlns:a14="http://schemas.microsoft.com/office/drawing/2010/main" val="0"/>
-              </a:ext>
-            </a:extLst>
-          </a:blip>
-          <a:srcRect r="66286"/>
-          <a:stretch/>
-        </p:blipFill>
-        <p:spPr bwMode="auto">
-          <a:xfrm>
-            <a:off x="8442894" y="2312285"/>
-            <a:ext cx="710801" cy="1235358"/>
-          </a:xfrm>
-          <a:prstGeom prst="rect">
-            <a:avLst/>
-          </a:prstGeom>
-          <a:noFill/>
-          <a:ln>
-            <a:noFill/>
-          </a:ln>
-          <a:extLst>
-            <a:ext uri="{909E8E84-426E-40DD-AFC4-6F175D3DCCD1}">
-              <a14:hiddenFill xmlns:a14="http://schemas.microsoft.com/office/drawing/2010/main">
-                <a:solidFill>
-                  <a:srgbClr val="FFFFFF"/>
-                </a:solidFill>
-              </a14:hiddenFill>
-            </a:ext>
-          </a:extLst>
-        </p:spPr>
-      </p:pic>
-      <p:sp>
-        <p:nvSpPr>
-          <p:cNvPr id="25" name="Textfeld 24">
-            <a:extLst>
-              <a:ext uri="{FF2B5EF4-FFF2-40B4-BE49-F238E27FC236}">
-                <a16:creationId xmlns:a16="http://schemas.microsoft.com/office/drawing/2014/main" id="{79394670-688F-4E94-99A9-6BEC9849F2C0}"/>
-              </a:ext>
-            </a:extLst>
-          </p:cNvPr>
-          <p:cNvSpPr txBox="1"/>
-          <p:nvPr/>
-        </p:nvSpPr>
-        <p:spPr>
-          <a:xfrm>
-            <a:off x="9088182" y="3903305"/>
-            <a:ext cx="2912007" cy="925511"/>
-          </a:xfrm>
-          <a:prstGeom prst="rect">
-            <a:avLst/>
-          </a:prstGeom>
-          <a:noFill/>
-          <a:ln>
-            <a:noFill/>
-          </a:ln>
-        </p:spPr>
-        <p:txBody>
-          <a:bodyPr wrap="square" lIns="270000" tIns="46800" rIns="270000" bIns="46800" rtlCol="0">
-            <a:spAutoFit/>
-          </a:bodyPr>
-          <a:lstStyle>
-            <a:defPPr>
-              <a:defRPr lang="en-US"/>
-            </a:defPPr>
-            <a:lvl1pPr>
-              <a:spcAft>
-                <a:spcPts val="1200"/>
-              </a:spcAft>
-              <a:defRPr sz="2000" b="1">
-                <a:solidFill>
-                  <a:schemeClr val="accent6">
-                    <a:lumMod val="50000"/>
-                  </a:schemeClr>
-                </a:solidFill>
-              </a:defRPr>
-            </a:lvl1pPr>
-          </a:lstStyle>
-          <a:p>
-            <a:r>
-              <a:rPr lang="de-DE" sz="1800" dirty="0">
-                <a:solidFill>
-                  <a:srgbClr val="002060"/>
-                </a:solidFill>
-                <a:latin typeface="Trebuchet MS" panose="020B0603020202020204" pitchFamily="34" charset="0"/>
-              </a:rPr>
-              <a:t>CSS Styles:</a:t>
-            </a:r>
-            <a:br>
-              <a:rPr lang="de-DE" sz="1800" dirty="0">
-                <a:solidFill>
-                  <a:srgbClr val="002060"/>
-                </a:solidFill>
-                <a:latin typeface="Trebuchet MS" panose="020B0603020202020204" pitchFamily="34" charset="0"/>
-              </a:rPr>
-            </a:br>
-            <a:r>
-              <a:rPr lang="de-DE" sz="1800" dirty="0" err="1">
-                <a:solidFill>
-                  <a:schemeClr val="tx1"/>
-                </a:solidFill>
-                <a:latin typeface="Trebuchet MS" panose="020B0603020202020204" pitchFamily="34" charset="0"/>
-              </a:rPr>
-              <a:t>Coperate</a:t>
-            </a:r>
-            <a:r>
-              <a:rPr lang="de-DE" sz="1800" dirty="0">
-                <a:solidFill>
-                  <a:schemeClr val="tx1"/>
-                </a:solidFill>
-                <a:latin typeface="Trebuchet MS" panose="020B0603020202020204" pitchFamily="34" charset="0"/>
-              </a:rPr>
-              <a:t> Design</a:t>
-            </a:r>
-            <a:r>
-              <a:rPr lang="de-DE" sz="1800" dirty="0">
-                <a:solidFill>
-                  <a:srgbClr val="002060"/>
-                </a:solidFill>
-                <a:latin typeface="Trebuchet MS" panose="020B0603020202020204" pitchFamily="34" charset="0"/>
-              </a:rPr>
-              <a:t> </a:t>
-            </a:r>
-            <a:r>
-              <a:rPr lang="de-DE" sz="1800" dirty="0">
-                <a:solidFill>
-                  <a:schemeClr val="tx1"/>
-                </a:solidFill>
-                <a:latin typeface="Trebuchet MS" panose="020B0603020202020204" pitchFamily="34" charset="0"/>
-              </a:rPr>
-              <a:t>Spielmenu, </a:t>
-            </a:r>
-            <a:r>
-              <a:rPr lang="de-DE" sz="1800" dirty="0" err="1">
-                <a:solidFill>
-                  <a:schemeClr val="tx1"/>
-                </a:solidFill>
-                <a:latin typeface="Trebuchet MS" panose="020B0603020202020204" pitchFamily="34" charset="0"/>
-              </a:rPr>
-              <a:t>Helpmenu</a:t>
-            </a:r>
-            <a:r>
-              <a:rPr lang="de-DE" sz="1800" dirty="0">
-                <a:solidFill>
-                  <a:schemeClr val="tx1"/>
-                </a:solidFill>
-                <a:latin typeface="Trebuchet MS" panose="020B0603020202020204" pitchFamily="34" charset="0"/>
-              </a:rPr>
-              <a:t> </a:t>
-            </a:r>
-          </a:p>
-        </p:txBody>
-      </p:sp>
-      <p:sp>
-        <p:nvSpPr>
-          <p:cNvPr id="26" name="Textfeld 25">
-            <a:extLst>
-              <a:ext uri="{FF2B5EF4-FFF2-40B4-BE49-F238E27FC236}">
-                <a16:creationId xmlns:a16="http://schemas.microsoft.com/office/drawing/2014/main" id="{54B4CD94-DCBA-4BE8-8139-1F2FADA3A165}"/>
-              </a:ext>
-            </a:extLst>
-          </p:cNvPr>
-          <p:cNvSpPr txBox="1"/>
-          <p:nvPr/>
-        </p:nvSpPr>
-        <p:spPr>
-          <a:xfrm>
-            <a:off x="9109878" y="5171478"/>
-            <a:ext cx="2920783" cy="1356398"/>
-          </a:xfrm>
-          <a:prstGeom prst="rect">
-            <a:avLst/>
-          </a:prstGeom>
-          <a:noFill/>
-          <a:ln>
-            <a:noFill/>
-          </a:ln>
-        </p:spPr>
-        <p:txBody>
-          <a:bodyPr wrap="square" lIns="270000" tIns="46800" rIns="270000" bIns="46800" rtlCol="0">
-            <a:spAutoFit/>
-          </a:bodyPr>
-          <a:lstStyle>
-            <a:defPPr>
-              <a:defRPr lang="en-US"/>
-            </a:defPPr>
-            <a:lvl1pPr>
-              <a:spcAft>
-                <a:spcPts val="1200"/>
-              </a:spcAft>
-              <a:defRPr sz="2000" b="1">
-                <a:solidFill>
-                  <a:schemeClr val="accent6">
-                    <a:lumMod val="50000"/>
-                  </a:schemeClr>
-                </a:solidFill>
-              </a:defRPr>
-            </a:lvl1pPr>
-          </a:lstStyle>
-          <a:p>
-            <a:r>
-              <a:rPr lang="de-DE" sz="1800" dirty="0">
-                <a:latin typeface="Trebuchet MS" panose="020B0603020202020204" pitchFamily="34" charset="0"/>
-              </a:rPr>
-              <a:t>JavaScript: </a:t>
-            </a:r>
-            <a:br>
-              <a:rPr lang="de-DE" sz="1800" dirty="0">
-                <a:solidFill>
-                  <a:schemeClr val="tx1"/>
-                </a:solidFill>
-                <a:latin typeface="Trebuchet MS" panose="020B0603020202020204" pitchFamily="34" charset="0"/>
-              </a:rPr>
-            </a:br>
-            <a:r>
-              <a:rPr lang="de-DE" sz="1800" dirty="0">
-                <a:solidFill>
-                  <a:schemeClr val="tx1"/>
-                </a:solidFill>
-                <a:latin typeface="Trebuchet MS" panose="020B0603020202020204" pitchFamily="34" charset="0"/>
-              </a:rPr>
-              <a:t>Animationen, Sounds, </a:t>
-            </a:r>
-            <a:br>
-              <a:rPr lang="de-DE" sz="1800" dirty="0">
-                <a:solidFill>
-                  <a:schemeClr val="tx1"/>
-                </a:solidFill>
-                <a:latin typeface="Trebuchet MS" panose="020B0603020202020204" pitchFamily="34" charset="0"/>
-              </a:rPr>
-            </a:br>
-            <a:r>
-              <a:rPr lang="de-DE" sz="1800" dirty="0">
-                <a:solidFill>
-                  <a:schemeClr val="tx1"/>
-                </a:solidFill>
-                <a:latin typeface="Trebuchet MS" panose="020B0603020202020204" pitchFamily="34" charset="0"/>
-              </a:rPr>
-              <a:t>Freie Level-Auswahl</a:t>
-            </a:r>
-          </a:p>
-          <a:p>
-            <a:endParaRPr lang="de-DE" sz="1800" dirty="0">
-              <a:solidFill>
-                <a:schemeClr val="tx1"/>
-              </a:solidFill>
-              <a:latin typeface="Trebuchet MS" panose="020B0603020202020204" pitchFamily="34" charset="0"/>
-            </a:endParaRPr>
-          </a:p>
-        </p:txBody>
-      </p:sp>
-      <p:sp>
-        <p:nvSpPr>
-          <p:cNvPr id="4" name="Rechteck: abgerundete Ecken 3">
-            <a:extLst>
-              <a:ext uri="{FF2B5EF4-FFF2-40B4-BE49-F238E27FC236}">
-                <a16:creationId xmlns:a16="http://schemas.microsoft.com/office/drawing/2014/main" id="{D293DC60-853A-4AA6-99A9-26049C4AD75F}"/>
-              </a:ext>
-            </a:extLst>
-          </p:cNvPr>
-          <p:cNvSpPr/>
-          <p:nvPr/>
-        </p:nvSpPr>
-        <p:spPr>
-          <a:xfrm>
-            <a:off x="160843" y="1951679"/>
-            <a:ext cx="3438780" cy="4536989"/>
-          </a:xfrm>
-          <a:prstGeom prst="roundRect">
-            <a:avLst>
-              <a:gd name="adj" fmla="val 7249"/>
-            </a:avLst>
-          </a:prstGeom>
-          <a:solidFill>
-            <a:schemeClr val="bg1">
-              <a:alpha val="66000"/>
-            </a:schemeClr>
-          </a:solidFill>
-          <a:ln>
-            <a:noFill/>
-          </a:ln>
-        </p:spPr>
-        <p:style>
-          <a:lnRef idx="2">
-            <a:schemeClr val="accent1">
-              <a:shade val="50000"/>
-            </a:schemeClr>
-          </a:lnRef>
-          <a:fillRef idx="1">
-            <a:schemeClr val="accent1"/>
-          </a:fillRef>
-          <a:effectRef idx="0">
-            <a:schemeClr val="accent1"/>
-          </a:effectRef>
-          <a:fontRef idx="minor">
-            <a:schemeClr val="lt1"/>
-          </a:fontRef>
-        </p:style>
-        <p:txBody>
-          <a:bodyPr rtlCol="0" anchor="ctr"/>
-          <a:lstStyle/>
-          <a:p>
-            <a:pPr algn="ctr"/>
-            <a:endParaRPr lang="de-DE"/>
-          </a:p>
-        </p:txBody>
-      </p:sp>
-      <p:sp>
-        <p:nvSpPr>
-          <p:cNvPr id="5" name="Textfeld 4">
-            <a:extLst>
-              <a:ext uri="{FF2B5EF4-FFF2-40B4-BE49-F238E27FC236}">
-                <a16:creationId xmlns:a16="http://schemas.microsoft.com/office/drawing/2014/main" id="{C623507A-656C-4E50-BEFC-5CE180CFD06A}"/>
-              </a:ext>
-            </a:extLst>
-          </p:cNvPr>
-          <p:cNvSpPr txBox="1"/>
-          <p:nvPr/>
-        </p:nvSpPr>
-        <p:spPr>
-          <a:xfrm>
-            <a:off x="925128" y="2195314"/>
-            <a:ext cx="2864111" cy="285131"/>
-          </a:xfrm>
-          <a:prstGeom prst="rect">
-            <a:avLst/>
-          </a:prstGeom>
-          <a:noFill/>
-          <a:ln>
-            <a:noFill/>
-          </a:ln>
-        </p:spPr>
-        <p:txBody>
-          <a:bodyPr wrap="square" lIns="270000" tIns="46800" rIns="270000" bIns="46800" rtlCol="0">
-            <a:spAutoFit/>
-          </a:bodyPr>
-          <a:lstStyle>
-            <a:defPPr>
-              <a:defRPr lang="en-US"/>
-            </a:defPPr>
-            <a:lvl1pPr>
-              <a:spcAft>
-                <a:spcPts val="1200"/>
-              </a:spcAft>
-              <a:defRPr sz="2000" b="1">
-                <a:solidFill>
-                  <a:schemeClr val="accent6">
-                    <a:lumMod val="50000"/>
-                  </a:schemeClr>
-                </a:solidFill>
-              </a:defRPr>
-            </a:lvl1pPr>
-          </a:lstStyle>
-          <a:p>
-            <a:r>
-              <a:rPr lang="de-DE" sz="1800" dirty="0">
+            <a:ln>
+              <a:noFill/>
+            </a:ln>
+          </p:spPr>
+          <p:txBody>
+            <a:bodyPr wrap="square" lIns="270000" tIns="46800" rIns="270000" bIns="46800" rtlCol="0">
+              <a:spAutoFit/>
+            </a:bodyPr>
+            <a:lstStyle>
+              <a:defPPr>
+                <a:defRPr lang="en-US"/>
+              </a:defPPr>
+              <a:lvl1pPr>
+                <a:spcAft>
+                  <a:spcPts val="1200"/>
+                </a:spcAft>
+                <a:defRPr sz="2000" b="1">
+                  <a:solidFill>
+                    <a:schemeClr val="accent6">
+                      <a:lumMod val="50000"/>
+                    </a:schemeClr>
+                  </a:solidFill>
+                </a:defRPr>
+              </a:lvl1pPr>
+            </a:lstStyle>
+            <a:p>
+              <a:r>
+                <a:rPr lang="de-DE" sz="1800" dirty="0">
+                  <a:solidFill>
+                    <a:srgbClr val="9A141B"/>
+                  </a:solidFill>
+                  <a:latin typeface="Trebuchet MS" panose="020B0603020202020204" pitchFamily="34" charset="0"/>
+                </a:rPr>
+                <a:t>Stelle</a:t>
+              </a:r>
+              <a:r>
+                <a:rPr lang="de-DE" sz="1800" dirty="0">
+                  <a:solidFill>
+                    <a:srgbClr val="374649"/>
+                  </a:solidFill>
+                  <a:latin typeface="Trebuchet MS" panose="020B0603020202020204" pitchFamily="34" charset="0"/>
+                </a:rPr>
+                <a:t> </a:t>
+              </a:r>
+              <a:r>
+                <a:rPr lang="de-DE" sz="1800" b="0" dirty="0">
+                  <a:solidFill>
+                    <a:schemeClr val="tx1"/>
+                  </a:solidFill>
+                  <a:latin typeface="Trebuchet MS" panose="020B0603020202020204" pitchFamily="34" charset="0"/>
+                </a:rPr>
+                <a:t>deine</a:t>
+              </a:r>
+              <a:r>
+                <a:rPr lang="de-DE" sz="1800" dirty="0">
+                  <a:solidFill>
+                    <a:srgbClr val="374649"/>
+                  </a:solidFill>
+                  <a:latin typeface="Trebuchet MS" panose="020B0603020202020204" pitchFamily="34" charset="0"/>
+                </a:rPr>
+                <a:t> </a:t>
+              </a:r>
+              <a:r>
+                <a:rPr lang="de-DE" sz="1800" dirty="0">
+                  <a:solidFill>
+                    <a:srgbClr val="9A141B"/>
+                  </a:solidFill>
+                  <a:latin typeface="Trebuchet MS" panose="020B0603020202020204" pitchFamily="34" charset="0"/>
+                </a:rPr>
+                <a:t>Bestzeit</a:t>
+              </a:r>
+              <a:r>
+                <a:rPr lang="de-DE" sz="1800" dirty="0">
+                  <a:solidFill>
+                    <a:srgbClr val="374649"/>
+                  </a:solidFill>
+                  <a:latin typeface="Trebuchet MS" panose="020B0603020202020204" pitchFamily="34" charset="0"/>
+                </a:rPr>
+                <a:t> </a:t>
+              </a:r>
+              <a:r>
+                <a:rPr lang="de-DE" sz="1800" b="0" dirty="0">
+                  <a:solidFill>
+                    <a:schemeClr val="tx1"/>
+                  </a:solidFill>
+                  <a:latin typeface="Trebuchet MS" panose="020B0603020202020204" pitchFamily="34" charset="0"/>
+                </a:rPr>
+                <a:t>auf</a:t>
+              </a:r>
+            </a:p>
+            <a:p>
+              <a:endParaRPr lang="de-DE" sz="1800" dirty="0">
                 <a:solidFill>
                   <a:srgbClr val="9A141B"/>
                 </a:solidFill>
                 <a:latin typeface="Trebuchet MS" panose="020B0603020202020204" pitchFamily="34" charset="0"/>
-              </a:rPr>
-              <a:t>Iss</a:t>
-            </a:r>
-            <a:r>
-              <a:rPr lang="de-DE" sz="1800" dirty="0">
-                <a:solidFill>
-                  <a:srgbClr val="374649"/>
-                </a:solidFill>
-                <a:latin typeface="Trebuchet MS" panose="020B0603020202020204" pitchFamily="34" charset="0"/>
-              </a:rPr>
-              <a:t> </a:t>
-            </a:r>
-            <a:r>
-              <a:rPr lang="de-DE" sz="1800" b="0" dirty="0">
-                <a:solidFill>
-                  <a:schemeClr val="tx1"/>
-                </a:solidFill>
-                <a:latin typeface="Trebuchet MS" panose="020B0603020202020204" pitchFamily="34" charset="0"/>
-              </a:rPr>
-              <a:t>alle</a:t>
-            </a:r>
-            <a:r>
-              <a:rPr lang="de-DE" sz="1800" b="0" dirty="0">
-                <a:solidFill>
-                  <a:srgbClr val="374649"/>
-                </a:solidFill>
-                <a:latin typeface="Trebuchet MS" panose="020B0603020202020204" pitchFamily="34" charset="0"/>
-              </a:rPr>
-              <a:t> </a:t>
-            </a:r>
-            <a:r>
-              <a:rPr lang="de-DE" sz="1800" dirty="0">
-                <a:solidFill>
-                  <a:srgbClr val="9A141B"/>
-                </a:solidFill>
-                <a:latin typeface="Trebuchet MS" panose="020B0603020202020204" pitchFamily="34" charset="0"/>
-              </a:rPr>
-              <a:t>Cookies</a:t>
-            </a:r>
-          </a:p>
-        </p:txBody>
-      </p:sp>
-      <p:pic>
-        <p:nvPicPr>
-          <p:cNvPr id="7" name="Grafik 6" descr="Ein Bild, das Wirbellose, Tier enthält.&#10;&#10;Mit hoher Zuverlässigkeit generierte Beschreibung">
-            <a:extLst>
-              <a:ext uri="{FF2B5EF4-FFF2-40B4-BE49-F238E27FC236}">
-                <a16:creationId xmlns:a16="http://schemas.microsoft.com/office/drawing/2014/main" id="{ACF5B025-D6EE-428F-907F-C603026A6562}"/>
-              </a:ext>
-            </a:extLst>
-          </p:cNvPr>
-          <p:cNvPicPr>
-            <a:picLocks noChangeAspect="1"/>
-          </p:cNvPicPr>
-          <p:nvPr/>
-        </p:nvPicPr>
-        <p:blipFill>
-          <a:blip r:embed="rId7">
-            <a:extLst>
-              <a:ext uri="{28A0092B-C50C-407E-A947-70E740481C1C}">
-                <a14:useLocalDpi xmlns:a14="http://schemas.microsoft.com/office/drawing/2010/main" val="0"/>
-              </a:ext>
-            </a:extLst>
-          </a:blip>
-          <a:stretch>
-            <a:fillRect/>
-          </a:stretch>
-        </p:blipFill>
-        <p:spPr>
-          <a:xfrm>
-            <a:off x="327328" y="2064991"/>
-            <a:ext cx="616642" cy="616642"/>
-          </a:xfrm>
-          <a:prstGeom prst="rect">
-            <a:avLst/>
-          </a:prstGeom>
-          <a:ln>
+              </a:endParaRPr>
+            </a:p>
+          </p:txBody>
+        </p:sp>
+        <p:sp>
+          <p:nvSpPr>
+            <p:cNvPr id="1027" name="Textfeld 1026">
+              <a:extLst>
+                <a:ext uri="{FF2B5EF4-FFF2-40B4-BE49-F238E27FC236}">
+                  <a16:creationId xmlns:a16="http://schemas.microsoft.com/office/drawing/2014/main" id="{C2ADDCAD-8C84-4862-8672-33100D15B5BA}"/>
+                </a:ext>
+              </a:extLst>
+            </p:cNvPr>
+            <p:cNvSpPr txBox="1"/>
+            <p:nvPr/>
+          </p:nvSpPr>
+          <p:spPr>
+            <a:xfrm>
+              <a:off x="3599623" y="6472502"/>
+              <a:ext cx="4643689" cy="369332"/>
+            </a:xfrm>
+            <a:prstGeom prst="rect">
+              <a:avLst/>
+            </a:prstGeom>
             <a:noFill/>
-          </a:ln>
-        </p:spPr>
-      </p:pic>
-      <p:pic>
-        <p:nvPicPr>
-          <p:cNvPr id="6" name="Grafik 5">
-            <a:extLst>
-              <a:ext uri="{FF2B5EF4-FFF2-40B4-BE49-F238E27FC236}">
-                <a16:creationId xmlns:a16="http://schemas.microsoft.com/office/drawing/2014/main" id="{FA54DEE6-0FD6-4F02-B7AA-002C2FB73148}"/>
-              </a:ext>
-            </a:extLst>
-          </p:cNvPr>
-          <p:cNvPicPr>
-            <a:picLocks noChangeAspect="1"/>
-          </p:cNvPicPr>
-          <p:nvPr/>
-        </p:nvPicPr>
-        <p:blipFill>
-          <a:blip r:embed="rId8">
-            <a:extLst>
-              <a:ext uri="{28A0092B-C50C-407E-A947-70E740481C1C}">
-                <a14:useLocalDpi xmlns:a14="http://schemas.microsoft.com/office/drawing/2010/main" val="0"/>
-              </a:ext>
-            </a:extLst>
-          </a:blip>
-          <a:stretch>
-            <a:fillRect/>
-          </a:stretch>
-        </p:blipFill>
-        <p:spPr>
-          <a:xfrm>
-            <a:off x="383012" y="3049427"/>
-            <a:ext cx="532695" cy="532695"/>
-          </a:xfrm>
-          <a:prstGeom prst="rect">
-            <a:avLst/>
-          </a:prstGeom>
-          <a:ln>
-            <a:noFill/>
-          </a:ln>
-        </p:spPr>
-      </p:pic>
-      <p:pic>
-        <p:nvPicPr>
-          <p:cNvPr id="13" name="Grafik 12">
-            <a:extLst>
-              <a:ext uri="{FF2B5EF4-FFF2-40B4-BE49-F238E27FC236}">
-                <a16:creationId xmlns:a16="http://schemas.microsoft.com/office/drawing/2014/main" id="{1D96C4BB-9A3A-4CA6-8956-4170A3A06F4D}"/>
-              </a:ext>
-            </a:extLst>
-          </p:cNvPr>
-          <p:cNvPicPr>
-            <a:picLocks noChangeAspect="1"/>
-          </p:cNvPicPr>
-          <p:nvPr/>
-        </p:nvPicPr>
-        <p:blipFill>
-          <a:blip r:embed="rId9">
-            <a:extLst>
-              <a:ext uri="{28A0092B-C50C-407E-A947-70E740481C1C}">
-                <a14:useLocalDpi xmlns:a14="http://schemas.microsoft.com/office/drawing/2010/main" val="0"/>
-              </a:ext>
-            </a:extLst>
-          </a:blip>
-          <a:stretch>
-            <a:fillRect/>
-          </a:stretch>
-        </p:blipFill>
-        <p:spPr>
-          <a:xfrm>
-            <a:off x="173168" y="4753472"/>
-            <a:ext cx="616642" cy="616642"/>
-          </a:xfrm>
-          <a:prstGeom prst="rect">
-            <a:avLst/>
-          </a:prstGeom>
-          <a:ln>
-            <a:noFill/>
-          </a:ln>
-        </p:spPr>
-      </p:pic>
-      <p:pic>
-        <p:nvPicPr>
-          <p:cNvPr id="15" name="Grafik 14" descr="Stoppuhr">
-            <a:extLst>
-              <a:ext uri="{FF2B5EF4-FFF2-40B4-BE49-F238E27FC236}">
-                <a16:creationId xmlns:a16="http://schemas.microsoft.com/office/drawing/2014/main" id="{44699B91-CB7B-4A8F-A4DB-B697ED06F03E}"/>
-              </a:ext>
-            </a:extLst>
-          </p:cNvPr>
-          <p:cNvPicPr>
-            <a:picLocks noChangeAspect="1"/>
-          </p:cNvPicPr>
-          <p:nvPr/>
-        </p:nvPicPr>
-        <p:blipFill>
-          <a:blip r:embed="rId10">
-            <a:extLst>
-              <a:ext uri="{28A0092B-C50C-407E-A947-70E740481C1C}">
-                <a14:useLocalDpi xmlns:a14="http://schemas.microsoft.com/office/drawing/2010/main" val="0"/>
-              </a:ext>
-              <a:ext uri="{96DAC541-7B7A-43D3-8B79-37D633B846F1}">
-                <asvg:svgBlip xmlns:asvg="http://schemas.microsoft.com/office/drawing/2016/SVG/main" r:embed="rId11"/>
-              </a:ext>
-            </a:extLst>
-          </a:blip>
-          <a:stretch>
-            <a:fillRect/>
-          </a:stretch>
-        </p:blipFill>
-        <p:spPr>
-          <a:xfrm>
-            <a:off x="284754" y="5578496"/>
-            <a:ext cx="701790" cy="701790"/>
-          </a:xfrm>
-          <a:prstGeom prst="rect">
-            <a:avLst/>
-          </a:prstGeom>
-        </p:spPr>
-      </p:pic>
-      <p:pic>
-        <p:nvPicPr>
-          <p:cNvPr id="8" name="Grafik 7">
-            <a:extLst>
-              <a:ext uri="{FF2B5EF4-FFF2-40B4-BE49-F238E27FC236}">
-                <a16:creationId xmlns:a16="http://schemas.microsoft.com/office/drawing/2014/main" id="{847ED87D-BC21-4B57-8DE3-B7B280656437}"/>
-              </a:ext>
-            </a:extLst>
-          </p:cNvPr>
-          <p:cNvPicPr>
-            <a:picLocks noChangeAspect="1"/>
-          </p:cNvPicPr>
-          <p:nvPr/>
-        </p:nvPicPr>
-        <p:blipFill>
-          <a:blip r:embed="rId12">
-            <a:extLst>
-              <a:ext uri="{28A0092B-C50C-407E-A947-70E740481C1C}">
-                <a14:useLocalDpi xmlns:a14="http://schemas.microsoft.com/office/drawing/2010/main" val="0"/>
-              </a:ext>
-            </a:extLst>
-          </a:blip>
-          <a:stretch>
-            <a:fillRect/>
-          </a:stretch>
-        </p:blipFill>
-        <p:spPr>
-          <a:xfrm>
-            <a:off x="481489" y="4753473"/>
-            <a:ext cx="616641" cy="616641"/>
-          </a:xfrm>
-          <a:prstGeom prst="rect">
-            <a:avLst/>
-          </a:prstGeom>
-          <a:ln>
-            <a:noFill/>
-          </a:ln>
-        </p:spPr>
-      </p:pic>
-      <p:sp>
-        <p:nvSpPr>
-          <p:cNvPr id="27" name="Textfeld 26">
-            <a:extLst>
-              <a:ext uri="{FF2B5EF4-FFF2-40B4-BE49-F238E27FC236}">
-                <a16:creationId xmlns:a16="http://schemas.microsoft.com/office/drawing/2014/main" id="{3CAB2ECF-497D-4B65-8232-274F6AB0E1D3}"/>
-              </a:ext>
-            </a:extLst>
-          </p:cNvPr>
-          <p:cNvSpPr txBox="1"/>
-          <p:nvPr/>
-        </p:nvSpPr>
-        <p:spPr>
-          <a:xfrm>
-            <a:off x="915707" y="2995465"/>
-            <a:ext cx="2864111" cy="497724"/>
-          </a:xfrm>
-          <a:prstGeom prst="rect">
-            <a:avLst/>
-          </a:prstGeom>
-          <a:noFill/>
-          <a:ln>
-            <a:noFill/>
-          </a:ln>
-        </p:spPr>
-        <p:txBody>
-          <a:bodyPr wrap="square" lIns="270000" tIns="46800" rIns="270000" bIns="46800" rtlCol="0">
-            <a:spAutoFit/>
-          </a:bodyPr>
-          <a:lstStyle>
-            <a:defPPr>
-              <a:defRPr lang="en-US"/>
-            </a:defPPr>
-            <a:lvl1pPr>
-              <a:spcAft>
-                <a:spcPts val="1200"/>
-              </a:spcAft>
-              <a:defRPr sz="2000" b="1">
-                <a:solidFill>
-                  <a:schemeClr val="accent6">
-                    <a:lumMod val="50000"/>
-                  </a:schemeClr>
-                </a:solidFill>
-              </a:defRPr>
-            </a:lvl1pPr>
-          </a:lstStyle>
-          <a:p>
-            <a:r>
-              <a:rPr lang="de-DE" sz="1800" dirty="0">
-                <a:solidFill>
-                  <a:schemeClr val="tx1"/>
-                </a:solidFill>
-                <a:latin typeface="Trebuchet MS" panose="020B0603020202020204" pitchFamily="34" charset="0"/>
-              </a:rPr>
-              <a:t>Berühre</a:t>
-            </a:r>
-            <a:r>
-              <a:rPr lang="de-DE" sz="1800" dirty="0">
-                <a:solidFill>
-                  <a:srgbClr val="9A141B"/>
-                </a:solidFill>
-                <a:latin typeface="Trebuchet MS" panose="020B0603020202020204" pitchFamily="34" charset="0"/>
-              </a:rPr>
-              <a:t> nicht</a:t>
-            </a:r>
-            <a:r>
-              <a:rPr lang="de-DE" sz="1800" dirty="0">
-                <a:solidFill>
-                  <a:schemeClr val="tx1"/>
-                </a:solidFill>
-                <a:latin typeface="Trebuchet MS" panose="020B0603020202020204" pitchFamily="34" charset="0"/>
-              </a:rPr>
-              <a:t> </a:t>
-            </a:r>
-            <a:br>
-              <a:rPr lang="de-DE" sz="1800" dirty="0">
-                <a:solidFill>
-                  <a:schemeClr val="tx1"/>
-                </a:solidFill>
-                <a:latin typeface="Trebuchet MS" panose="020B0603020202020204" pitchFamily="34" charset="0"/>
-              </a:rPr>
-            </a:br>
-            <a:r>
-              <a:rPr lang="de-DE" sz="1800" dirty="0">
-                <a:solidFill>
-                  <a:schemeClr val="tx1"/>
-                </a:solidFill>
-                <a:latin typeface="Trebuchet MS" panose="020B0603020202020204" pitchFamily="34" charset="0"/>
-              </a:rPr>
-              <a:t>die </a:t>
-            </a:r>
-            <a:r>
-              <a:rPr lang="de-DE" sz="1800" dirty="0">
-                <a:solidFill>
-                  <a:srgbClr val="D46EFF"/>
-                </a:solidFill>
-                <a:latin typeface="Trebuchet MS" panose="020B0603020202020204" pitchFamily="34" charset="0"/>
-              </a:rPr>
-              <a:t>rosa</a:t>
-            </a:r>
-            <a:r>
-              <a:rPr lang="de-DE" sz="1800" dirty="0">
-                <a:solidFill>
-                  <a:srgbClr val="9A141B"/>
-                </a:solidFill>
-                <a:latin typeface="Trebuchet MS" panose="020B0603020202020204" pitchFamily="34" charset="0"/>
-              </a:rPr>
-              <a:t> </a:t>
-            </a:r>
-            <a:r>
-              <a:rPr lang="de-DE" sz="1800" dirty="0">
-                <a:solidFill>
-                  <a:srgbClr val="D46EFF"/>
-                </a:solidFill>
-                <a:latin typeface="Trebuchet MS" panose="020B0603020202020204" pitchFamily="34" charset="0"/>
-              </a:rPr>
-              <a:t>Milch</a:t>
-            </a:r>
-          </a:p>
-        </p:txBody>
-      </p:sp>
-      <p:sp>
-        <p:nvSpPr>
-          <p:cNvPr id="28" name="Textfeld 27">
-            <a:extLst>
-              <a:ext uri="{FF2B5EF4-FFF2-40B4-BE49-F238E27FC236}">
-                <a16:creationId xmlns:a16="http://schemas.microsoft.com/office/drawing/2014/main" id="{84566637-8846-47A7-978D-781447F32FFF}"/>
-              </a:ext>
-            </a:extLst>
-          </p:cNvPr>
-          <p:cNvSpPr txBox="1"/>
-          <p:nvPr/>
-        </p:nvSpPr>
-        <p:spPr>
-          <a:xfrm>
-            <a:off x="925128" y="3938091"/>
-            <a:ext cx="2864111" cy="497724"/>
-          </a:xfrm>
-          <a:prstGeom prst="rect">
-            <a:avLst/>
-          </a:prstGeom>
-          <a:noFill/>
-          <a:ln>
-            <a:noFill/>
-          </a:ln>
-        </p:spPr>
-        <p:txBody>
-          <a:bodyPr wrap="square" lIns="270000" tIns="46800" rIns="270000" bIns="46800" rtlCol="0">
-            <a:spAutoFit/>
-          </a:bodyPr>
-          <a:lstStyle>
-            <a:defPPr>
-              <a:defRPr lang="en-US"/>
-            </a:defPPr>
-            <a:lvl1pPr>
-              <a:spcAft>
-                <a:spcPts val="1200"/>
-              </a:spcAft>
-              <a:defRPr sz="2000" b="1">
-                <a:solidFill>
-                  <a:schemeClr val="accent6">
-                    <a:lumMod val="50000"/>
-                  </a:schemeClr>
-                </a:solidFill>
-              </a:defRPr>
-            </a:lvl1pPr>
-          </a:lstStyle>
-          <a:p>
-            <a:r>
-              <a:rPr lang="de-DE" sz="1800" b="0" dirty="0">
-                <a:solidFill>
-                  <a:schemeClr val="tx1"/>
-                </a:solidFill>
-                <a:latin typeface="Trebuchet MS" panose="020B0603020202020204" pitchFamily="34" charset="0"/>
-              </a:rPr>
-              <a:t>Nimm dich vor dem </a:t>
-            </a:r>
-            <a:br>
-              <a:rPr lang="de-DE" sz="1800" b="0" dirty="0">
-                <a:solidFill>
-                  <a:schemeClr val="tx1"/>
-                </a:solidFill>
-                <a:latin typeface="Trebuchet MS" panose="020B0603020202020204" pitchFamily="34" charset="0"/>
-              </a:rPr>
-            </a:br>
-            <a:r>
-              <a:rPr lang="de-DE" sz="1800" dirty="0">
-                <a:solidFill>
-                  <a:srgbClr val="9A141B"/>
-                </a:solidFill>
-                <a:latin typeface="Trebuchet MS" panose="020B0603020202020204" pitchFamily="34" charset="0"/>
-              </a:rPr>
-              <a:t>Zahnrad </a:t>
-            </a:r>
-            <a:r>
-              <a:rPr lang="de-DE" sz="1800" dirty="0">
-                <a:solidFill>
-                  <a:schemeClr val="tx1"/>
-                </a:solidFill>
-                <a:latin typeface="Trebuchet MS" panose="020B0603020202020204" pitchFamily="34" charset="0"/>
-              </a:rPr>
-              <a:t>in</a:t>
-            </a:r>
-            <a:r>
-              <a:rPr lang="de-DE" sz="1800" dirty="0">
-                <a:solidFill>
-                  <a:srgbClr val="9A141B"/>
-                </a:solidFill>
-                <a:latin typeface="Trebuchet MS" panose="020B0603020202020204" pitchFamily="34" charset="0"/>
-              </a:rPr>
-              <a:t> Acht</a:t>
-            </a:r>
-          </a:p>
-        </p:txBody>
-      </p:sp>
-      <p:sp>
-        <p:nvSpPr>
-          <p:cNvPr id="29" name="Textfeld 28">
-            <a:extLst>
-              <a:ext uri="{FF2B5EF4-FFF2-40B4-BE49-F238E27FC236}">
-                <a16:creationId xmlns:a16="http://schemas.microsoft.com/office/drawing/2014/main" id="{8FE1DB8C-96E1-481E-BCE8-B83F933839C4}"/>
-              </a:ext>
-            </a:extLst>
-          </p:cNvPr>
-          <p:cNvSpPr txBox="1"/>
-          <p:nvPr/>
-        </p:nvSpPr>
-        <p:spPr>
-          <a:xfrm>
-            <a:off x="915707" y="4886347"/>
-            <a:ext cx="2864111" cy="285131"/>
-          </a:xfrm>
-          <a:prstGeom prst="rect">
-            <a:avLst/>
-          </a:prstGeom>
-          <a:noFill/>
-          <a:ln>
-            <a:noFill/>
-          </a:ln>
-        </p:spPr>
-        <p:txBody>
-          <a:bodyPr wrap="square" lIns="270000" tIns="46800" rIns="270000" bIns="46800" rtlCol="0">
-            <a:spAutoFit/>
-          </a:bodyPr>
-          <a:lstStyle>
-            <a:defPPr>
-              <a:defRPr lang="en-US"/>
-            </a:defPPr>
-            <a:lvl1pPr>
-              <a:spcAft>
-                <a:spcPts val="1200"/>
-              </a:spcAft>
-              <a:defRPr sz="2000" b="1">
-                <a:solidFill>
-                  <a:schemeClr val="accent6">
-                    <a:lumMod val="50000"/>
-                  </a:schemeClr>
-                </a:solidFill>
-              </a:defRPr>
-            </a:lvl1pPr>
-          </a:lstStyle>
-          <a:p>
-            <a:r>
-              <a:rPr lang="de-DE" sz="1800" dirty="0">
-                <a:solidFill>
-                  <a:srgbClr val="9A141B"/>
-                </a:solidFill>
-                <a:latin typeface="Trebuchet MS" panose="020B0603020202020204" pitchFamily="34" charset="0"/>
-              </a:rPr>
-              <a:t>Achte </a:t>
-            </a:r>
-            <a:r>
-              <a:rPr lang="de-DE" sz="1800" b="0" dirty="0">
-                <a:solidFill>
-                  <a:schemeClr val="tx1"/>
-                </a:solidFill>
-                <a:latin typeface="Trebuchet MS" panose="020B0603020202020204" pitchFamily="34" charset="0"/>
-              </a:rPr>
-              <a:t>auf dein </a:t>
-            </a:r>
-            <a:r>
-              <a:rPr lang="de-DE" sz="1800" dirty="0">
-                <a:solidFill>
-                  <a:srgbClr val="9A141B"/>
-                </a:solidFill>
-                <a:latin typeface="Trebuchet MS" panose="020B0603020202020204" pitchFamily="34" charset="0"/>
-              </a:rPr>
-              <a:t>Leben</a:t>
-            </a:r>
-          </a:p>
-        </p:txBody>
-      </p:sp>
-      <p:sp>
-        <p:nvSpPr>
-          <p:cNvPr id="30" name="Textfeld 29">
-            <a:extLst>
-              <a:ext uri="{FF2B5EF4-FFF2-40B4-BE49-F238E27FC236}">
-                <a16:creationId xmlns:a16="http://schemas.microsoft.com/office/drawing/2014/main" id="{FF242151-034E-4CAC-95D1-09DCD551B015}"/>
-              </a:ext>
-            </a:extLst>
-          </p:cNvPr>
-          <p:cNvSpPr txBox="1"/>
-          <p:nvPr/>
-        </p:nvSpPr>
-        <p:spPr>
-          <a:xfrm>
-            <a:off x="924525" y="5638943"/>
-            <a:ext cx="2864111" cy="615831"/>
-          </a:xfrm>
-          <a:prstGeom prst="rect">
-            <a:avLst/>
-          </a:prstGeom>
-          <a:noFill/>
-          <a:ln>
-            <a:noFill/>
-          </a:ln>
-        </p:spPr>
-        <p:txBody>
-          <a:bodyPr wrap="square" lIns="270000" tIns="46800" rIns="270000" bIns="46800" rtlCol="0">
-            <a:spAutoFit/>
-          </a:bodyPr>
-          <a:lstStyle>
-            <a:defPPr>
-              <a:defRPr lang="en-US"/>
-            </a:defPPr>
-            <a:lvl1pPr>
-              <a:spcAft>
-                <a:spcPts val="1200"/>
-              </a:spcAft>
-              <a:defRPr sz="2000" b="1">
-                <a:solidFill>
-                  <a:schemeClr val="accent6">
-                    <a:lumMod val="50000"/>
-                  </a:schemeClr>
-                </a:solidFill>
-              </a:defRPr>
-            </a:lvl1pPr>
-          </a:lstStyle>
-          <a:p>
-            <a:r>
-              <a:rPr lang="de-DE" sz="1800" dirty="0">
-                <a:solidFill>
-                  <a:srgbClr val="9A141B"/>
-                </a:solidFill>
-                <a:latin typeface="Trebuchet MS" panose="020B0603020202020204" pitchFamily="34" charset="0"/>
-              </a:rPr>
-              <a:t>Stelle</a:t>
-            </a:r>
-            <a:r>
-              <a:rPr lang="de-DE" sz="1800" dirty="0">
-                <a:solidFill>
-                  <a:srgbClr val="374649"/>
-                </a:solidFill>
-                <a:latin typeface="Trebuchet MS" panose="020B0603020202020204" pitchFamily="34" charset="0"/>
-              </a:rPr>
-              <a:t> </a:t>
-            </a:r>
-            <a:r>
-              <a:rPr lang="de-DE" sz="1800" b="0" dirty="0">
-                <a:solidFill>
-                  <a:schemeClr val="tx1"/>
-                </a:solidFill>
-                <a:latin typeface="Trebuchet MS" panose="020B0603020202020204" pitchFamily="34" charset="0"/>
-              </a:rPr>
-              <a:t>deine</a:t>
-            </a:r>
-            <a:r>
-              <a:rPr lang="de-DE" sz="1800" dirty="0">
-                <a:solidFill>
-                  <a:srgbClr val="374649"/>
-                </a:solidFill>
-                <a:latin typeface="Trebuchet MS" panose="020B0603020202020204" pitchFamily="34" charset="0"/>
-              </a:rPr>
-              <a:t> </a:t>
-            </a:r>
-            <a:r>
-              <a:rPr lang="de-DE" sz="1800" dirty="0">
-                <a:solidFill>
-                  <a:srgbClr val="9A141B"/>
-                </a:solidFill>
-                <a:latin typeface="Trebuchet MS" panose="020B0603020202020204" pitchFamily="34" charset="0"/>
-              </a:rPr>
-              <a:t>Bestzeit</a:t>
-            </a:r>
-            <a:r>
-              <a:rPr lang="de-DE" sz="1800" dirty="0">
-                <a:solidFill>
-                  <a:srgbClr val="374649"/>
-                </a:solidFill>
-                <a:latin typeface="Trebuchet MS" panose="020B0603020202020204" pitchFamily="34" charset="0"/>
-              </a:rPr>
-              <a:t> </a:t>
-            </a:r>
-            <a:r>
-              <a:rPr lang="de-DE" sz="1800" b="0" dirty="0">
-                <a:solidFill>
-                  <a:schemeClr val="tx1"/>
-                </a:solidFill>
-                <a:latin typeface="Trebuchet MS" panose="020B0603020202020204" pitchFamily="34" charset="0"/>
-              </a:rPr>
-              <a:t>auf</a:t>
-            </a:r>
-          </a:p>
-          <a:p>
-            <a:endParaRPr lang="de-DE" sz="1800" dirty="0">
-              <a:solidFill>
-                <a:srgbClr val="9A141B"/>
-              </a:solidFill>
-              <a:latin typeface="Trebuchet MS" panose="020B0603020202020204" pitchFamily="34" charset="0"/>
-            </a:endParaRPr>
-          </a:p>
-        </p:txBody>
-      </p:sp>
-      <p:sp>
-        <p:nvSpPr>
-          <p:cNvPr id="1027" name="Textfeld 1026">
-            <a:extLst>
-              <a:ext uri="{FF2B5EF4-FFF2-40B4-BE49-F238E27FC236}">
-                <a16:creationId xmlns:a16="http://schemas.microsoft.com/office/drawing/2014/main" id="{C2ADDCAD-8C84-4862-8672-33100D15B5BA}"/>
-              </a:ext>
-            </a:extLst>
-          </p:cNvPr>
-          <p:cNvSpPr txBox="1"/>
-          <p:nvPr/>
-        </p:nvSpPr>
-        <p:spPr>
-          <a:xfrm>
-            <a:off x="3599623" y="6472502"/>
-            <a:ext cx="4643689" cy="369332"/>
-          </a:xfrm>
-          <a:prstGeom prst="rect">
-            <a:avLst/>
-          </a:prstGeom>
-          <a:noFill/>
-        </p:spPr>
-        <p:txBody>
-          <a:bodyPr wrap="square" rtlCol="0">
-            <a:spAutoFit/>
-          </a:bodyPr>
-          <a:lstStyle/>
-          <a:p>
-            <a:pPr algn="ctr"/>
-            <a:r>
-              <a:rPr lang="de-DE" b="1" dirty="0">
+          </p:spPr>
+          <p:txBody>
+            <a:bodyPr wrap="square" rtlCol="0">
+              <a:spAutoFit/>
+            </a:bodyPr>
+            <a:lstStyle/>
+            <a:p>
+              <a:pPr algn="ctr"/>
+              <a:r>
+                <a:rPr lang="de-DE" b="1" dirty="0">
+                  <a:solidFill>
+                    <a:srgbClr val="B79B83"/>
+                  </a:solidFill>
+                  <a:latin typeface="Trebuchet MS" panose="020B0603020202020204" pitchFamily="34" charset="0"/>
+                </a:rPr>
+                <a:t>BFWIS416A/ WIP • 10. September 2018</a:t>
+              </a:r>
+              <a:endParaRPr lang="de-DE" dirty="0"/>
+            </a:p>
+          </p:txBody>
+        </p:sp>
+        <p:sp>
+          <p:nvSpPr>
+            <p:cNvPr id="1028" name="Rechteck 1027">
+              <a:extLst>
+                <a:ext uri="{FF2B5EF4-FFF2-40B4-BE49-F238E27FC236}">
+                  <a16:creationId xmlns:a16="http://schemas.microsoft.com/office/drawing/2014/main" id="{0C6DB4BA-0D1F-4C35-876C-2B1EA928156F}"/>
+                </a:ext>
+              </a:extLst>
+            </p:cNvPr>
+            <p:cNvSpPr/>
+            <p:nvPr/>
+          </p:nvSpPr>
+          <p:spPr>
+            <a:xfrm>
+              <a:off x="8795600" y="823633"/>
+              <a:ext cx="2060206" cy="923330"/>
+            </a:xfrm>
+            <a:prstGeom prst="rect">
+              <a:avLst/>
+            </a:prstGeom>
+          </p:spPr>
+          <p:txBody>
+            <a:bodyPr wrap="square">
+              <a:spAutoFit/>
+            </a:bodyPr>
+            <a:lstStyle/>
+            <a:p>
+              <a:pPr algn="ctr"/>
+              <a:r>
+                <a:rPr lang="de-DE" b="1" dirty="0">
+                  <a:solidFill>
+                    <a:srgbClr val="B79B83"/>
+                  </a:solidFill>
+                  <a:latin typeface="Trebuchet MS" panose="020B0603020202020204" pitchFamily="34" charset="0"/>
+                </a:rPr>
+                <a:t>Kevin </a:t>
+              </a:r>
+              <a:r>
+                <a:rPr lang="de-DE" b="1" dirty="0" err="1">
+                  <a:solidFill>
+                    <a:srgbClr val="B79B83"/>
+                  </a:solidFill>
+                  <a:latin typeface="Trebuchet MS" panose="020B0603020202020204" pitchFamily="34" charset="0"/>
+                </a:rPr>
+                <a:t>Schwidder</a:t>
+              </a:r>
+              <a:r>
+                <a:rPr lang="de-DE" b="1" dirty="0">
+                  <a:solidFill>
+                    <a:srgbClr val="B79B83"/>
+                  </a:solidFill>
+                  <a:latin typeface="Trebuchet MS" panose="020B0603020202020204" pitchFamily="34" charset="0"/>
+                </a:rPr>
+                <a:t>,</a:t>
+              </a:r>
+              <a:br>
+                <a:rPr lang="de-DE" b="1" dirty="0">
+                  <a:solidFill>
+                    <a:srgbClr val="B79B83"/>
+                  </a:solidFill>
+                  <a:latin typeface="Trebuchet MS" panose="020B0603020202020204" pitchFamily="34" charset="0"/>
+                </a:rPr>
+              </a:br>
+              <a:r>
+                <a:rPr lang="de-DE" b="1" dirty="0">
+                  <a:solidFill>
+                    <a:srgbClr val="B79B83"/>
+                  </a:solidFill>
+                  <a:latin typeface="Trebuchet MS" panose="020B0603020202020204" pitchFamily="34" charset="0"/>
+                </a:rPr>
+                <a:t>Fabian Kaspar,</a:t>
+              </a:r>
+              <a:br>
+                <a:rPr lang="de-DE" b="1" dirty="0">
+                  <a:solidFill>
+                    <a:srgbClr val="B79B83"/>
+                  </a:solidFill>
+                  <a:latin typeface="Trebuchet MS" panose="020B0603020202020204" pitchFamily="34" charset="0"/>
+                </a:rPr>
+              </a:br>
+              <a:r>
+                <a:rPr lang="de-DE" b="1" dirty="0">
+                  <a:solidFill>
+                    <a:srgbClr val="B79B83"/>
+                  </a:solidFill>
+                  <a:latin typeface="Trebuchet MS" panose="020B0603020202020204" pitchFamily="34" charset="0"/>
+                </a:rPr>
+                <a:t>Gleb Shpak</a:t>
+              </a:r>
+              <a:endParaRPr lang="de-DE" dirty="0">
                 <a:solidFill>
                   <a:srgbClr val="B79B83"/>
                 </a:solidFill>
-                <a:latin typeface="Trebuchet MS" panose="020B0603020202020204" pitchFamily="34" charset="0"/>
-              </a:rPr>
-              <a:t>BFWIS416A/ WIP • 10. September 2018</a:t>
-            </a:r>
-            <a:endParaRPr lang="de-DE" dirty="0"/>
-          </a:p>
-        </p:txBody>
-      </p:sp>
-      <p:sp>
-        <p:nvSpPr>
-          <p:cNvPr id="1028" name="Rechteck 1027">
-            <a:extLst>
-              <a:ext uri="{FF2B5EF4-FFF2-40B4-BE49-F238E27FC236}">
-                <a16:creationId xmlns:a16="http://schemas.microsoft.com/office/drawing/2014/main" id="{0C6DB4BA-0D1F-4C35-876C-2B1EA928156F}"/>
-              </a:ext>
-            </a:extLst>
-          </p:cNvPr>
-          <p:cNvSpPr/>
-          <p:nvPr/>
-        </p:nvSpPr>
-        <p:spPr>
-          <a:xfrm>
-            <a:off x="8795600" y="823633"/>
-            <a:ext cx="2060206" cy="923330"/>
-          </a:xfrm>
-          <a:prstGeom prst="rect">
-            <a:avLst/>
-          </a:prstGeom>
-        </p:spPr>
-        <p:txBody>
-          <a:bodyPr wrap="square">
-            <a:spAutoFit/>
-          </a:bodyPr>
-          <a:lstStyle/>
-          <a:p>
-            <a:pPr algn="ctr"/>
-            <a:r>
-              <a:rPr lang="de-DE" b="1" dirty="0">
-                <a:solidFill>
-                  <a:srgbClr val="B79B83"/>
-                </a:solidFill>
-                <a:latin typeface="Trebuchet MS" panose="020B0603020202020204" pitchFamily="34" charset="0"/>
-              </a:rPr>
-              <a:t>Kevin </a:t>
-            </a:r>
-            <a:r>
-              <a:rPr lang="de-DE" b="1" dirty="0" err="1">
-                <a:solidFill>
-                  <a:srgbClr val="B79B83"/>
-                </a:solidFill>
-                <a:latin typeface="Trebuchet MS" panose="020B0603020202020204" pitchFamily="34" charset="0"/>
-              </a:rPr>
-              <a:t>Schwidder</a:t>
-            </a:r>
-            <a:r>
-              <a:rPr lang="de-DE" b="1" dirty="0">
-                <a:solidFill>
-                  <a:srgbClr val="B79B83"/>
-                </a:solidFill>
-                <a:latin typeface="Trebuchet MS" panose="020B0603020202020204" pitchFamily="34" charset="0"/>
-              </a:rPr>
-              <a:t>,</a:t>
-            </a:r>
-            <a:br>
-              <a:rPr lang="de-DE" b="1" dirty="0">
-                <a:solidFill>
-                  <a:srgbClr val="B79B83"/>
-                </a:solidFill>
-                <a:latin typeface="Trebuchet MS" panose="020B0603020202020204" pitchFamily="34" charset="0"/>
-              </a:rPr>
-            </a:br>
-            <a:r>
-              <a:rPr lang="de-DE" b="1" dirty="0">
-                <a:solidFill>
-                  <a:srgbClr val="B79B83"/>
-                </a:solidFill>
-                <a:latin typeface="Trebuchet MS" panose="020B0603020202020204" pitchFamily="34" charset="0"/>
-              </a:rPr>
-              <a:t>Fabian Kaspar,</a:t>
-            </a:r>
-            <a:br>
-              <a:rPr lang="de-DE" b="1" dirty="0">
-                <a:solidFill>
-                  <a:srgbClr val="B79B83"/>
-                </a:solidFill>
-                <a:latin typeface="Trebuchet MS" panose="020B0603020202020204" pitchFamily="34" charset="0"/>
-              </a:rPr>
-            </a:br>
-            <a:r>
-              <a:rPr lang="de-DE" b="1" dirty="0">
-                <a:solidFill>
-                  <a:srgbClr val="B79B83"/>
-                </a:solidFill>
-                <a:latin typeface="Trebuchet MS" panose="020B0603020202020204" pitchFamily="34" charset="0"/>
-              </a:rPr>
-              <a:t>Gleb Shpak</a:t>
-            </a:r>
-            <a:endParaRPr lang="de-DE" dirty="0">
-              <a:solidFill>
-                <a:srgbClr val="B79B83"/>
-              </a:solidFill>
-            </a:endParaRPr>
-          </a:p>
-        </p:txBody>
-      </p:sp>
-      <p:pic>
-        <p:nvPicPr>
-          <p:cNvPr id="1031" name="Grafik 1030">
-            <a:extLst>
-              <a:ext uri="{FF2B5EF4-FFF2-40B4-BE49-F238E27FC236}">
-                <a16:creationId xmlns:a16="http://schemas.microsoft.com/office/drawing/2014/main" id="{CE8244DD-ECEB-4D31-BFC2-D1678DBEA6C3}"/>
-              </a:ext>
-            </a:extLst>
-          </p:cNvPr>
-          <p:cNvPicPr>
-            <a:picLocks noChangeAspect="1"/>
-          </p:cNvPicPr>
-          <p:nvPr/>
-        </p:nvPicPr>
-        <p:blipFill rotWithShape="1">
-          <a:blip r:embed="rId13">
-            <a:extLst>
-              <a:ext uri="{28A0092B-C50C-407E-A947-70E740481C1C}">
-                <a14:useLocalDpi xmlns:a14="http://schemas.microsoft.com/office/drawing/2010/main" val="0"/>
-              </a:ext>
-            </a:extLst>
-          </a:blip>
-          <a:srcRect t="15044" b="28452"/>
-          <a:stretch/>
-        </p:blipFill>
-        <p:spPr>
-          <a:xfrm>
-            <a:off x="3239604" y="-25385"/>
-            <a:ext cx="5700235" cy="2415649"/>
-          </a:xfrm>
-          <a:prstGeom prst="rect">
-            <a:avLst/>
-          </a:prstGeom>
-        </p:spPr>
-      </p:pic>
-      <p:pic>
-        <p:nvPicPr>
-          <p:cNvPr id="1038" name="Grafik 1037">
-            <a:extLst>
-              <a:ext uri="{FF2B5EF4-FFF2-40B4-BE49-F238E27FC236}">
-                <a16:creationId xmlns:a16="http://schemas.microsoft.com/office/drawing/2014/main" id="{4F85590E-CA0B-47DB-8341-0CD17A437A38}"/>
-              </a:ext>
-            </a:extLst>
-          </p:cNvPr>
-          <p:cNvPicPr>
-            <a:picLocks noChangeAspect="1"/>
-          </p:cNvPicPr>
-          <p:nvPr/>
-        </p:nvPicPr>
-        <p:blipFill>
-          <a:blip r:embed="rId14">
-            <a:extLst>
-              <a:ext uri="{28A0092B-C50C-407E-A947-70E740481C1C}">
-                <a14:useLocalDpi xmlns:a14="http://schemas.microsoft.com/office/drawing/2010/main" val="0"/>
-              </a:ext>
-            </a:extLst>
-          </a:blip>
-          <a:stretch>
-            <a:fillRect/>
-          </a:stretch>
-        </p:blipFill>
-        <p:spPr>
-          <a:xfrm>
-            <a:off x="322317" y="3985469"/>
-            <a:ext cx="616642" cy="616642"/>
-          </a:xfrm>
-          <a:prstGeom prst="rect">
-            <a:avLst/>
-          </a:prstGeom>
-        </p:spPr>
-      </p:pic>
-      <p:pic>
-        <p:nvPicPr>
-          <p:cNvPr id="2" name="Picture 2" descr="Bildergebnis fÃ¼r internet explorer logo">
-            <a:extLst>
-              <a:ext uri="{FF2B5EF4-FFF2-40B4-BE49-F238E27FC236}">
-                <a16:creationId xmlns:a16="http://schemas.microsoft.com/office/drawing/2014/main" id="{934BBE21-59F1-4F6E-BB0F-3EDB7F0732B9}"/>
-              </a:ext>
-            </a:extLst>
-          </p:cNvPr>
-          <p:cNvPicPr>
-            <a:picLocks noChangeAspect="1" noChangeArrowheads="1"/>
-          </p:cNvPicPr>
-          <p:nvPr/>
-        </p:nvPicPr>
-        <p:blipFill>
-          <a:blip r:embed="rId15">
-            <a:extLst>
-              <a:ext uri="{28A0092B-C50C-407E-A947-70E740481C1C}">
-                <a14:useLocalDpi xmlns:a14="http://schemas.microsoft.com/office/drawing/2010/main" val="0"/>
-              </a:ext>
-            </a:extLst>
-          </a:blip>
-          <a:srcRect/>
-          <a:stretch>
-            <a:fillRect/>
-          </a:stretch>
-        </p:blipFill>
-        <p:spPr bwMode="auto">
-          <a:xfrm>
-            <a:off x="2660504" y="794300"/>
-            <a:ext cx="622831" cy="622831"/>
-          </a:xfrm>
-          <a:prstGeom prst="rect">
-            <a:avLst/>
-          </a:prstGeom>
-          <a:noFill/>
-          <a:extLst>
-            <a:ext uri="{909E8E84-426E-40DD-AFC4-6F175D3DCCD1}">
-              <a14:hiddenFill xmlns:a14="http://schemas.microsoft.com/office/drawing/2010/main">
-                <a:solidFill>
-                  <a:srgbClr val="FFFFFF"/>
-                </a:solidFill>
-              </a14:hiddenFill>
-            </a:ext>
-          </a:extLst>
-        </p:spPr>
-      </p:pic>
+              </a:endParaRPr>
+            </a:p>
+          </p:txBody>
+        </p:sp>
+        <p:pic>
+          <p:nvPicPr>
+            <p:cNvPr id="1031" name="Grafik 1030">
+              <a:extLst>
+                <a:ext uri="{FF2B5EF4-FFF2-40B4-BE49-F238E27FC236}">
+                  <a16:creationId xmlns:a16="http://schemas.microsoft.com/office/drawing/2014/main" id="{CE8244DD-ECEB-4D31-BFC2-D1678DBEA6C3}"/>
+                </a:ext>
+              </a:extLst>
+            </p:cNvPr>
+            <p:cNvPicPr>
+              <a:picLocks noChangeAspect="1"/>
+            </p:cNvPicPr>
+            <p:nvPr/>
+          </p:nvPicPr>
+          <p:blipFill rotWithShape="1">
+            <a:blip r:embed="rId13">
+              <a:extLst>
+                <a:ext uri="{28A0092B-C50C-407E-A947-70E740481C1C}">
+                  <a14:useLocalDpi xmlns:a14="http://schemas.microsoft.com/office/drawing/2010/main" val="0"/>
+                </a:ext>
+              </a:extLst>
+            </a:blip>
+            <a:srcRect t="15044" b="28452"/>
+            <a:stretch/>
+          </p:blipFill>
+          <p:spPr>
+            <a:xfrm>
+              <a:off x="3239604" y="-25385"/>
+              <a:ext cx="5700235" cy="2415649"/>
+            </a:xfrm>
+            <a:prstGeom prst="rect">
+              <a:avLst/>
+            </a:prstGeom>
+          </p:spPr>
+        </p:pic>
+        <p:pic>
+          <p:nvPicPr>
+            <p:cNvPr id="1038" name="Grafik 1037">
+              <a:extLst>
+                <a:ext uri="{FF2B5EF4-FFF2-40B4-BE49-F238E27FC236}">
+                  <a16:creationId xmlns:a16="http://schemas.microsoft.com/office/drawing/2014/main" id="{4F85590E-CA0B-47DB-8341-0CD17A437A38}"/>
+                </a:ext>
+              </a:extLst>
+            </p:cNvPr>
+            <p:cNvPicPr>
+              <a:picLocks noChangeAspect="1"/>
+            </p:cNvPicPr>
+            <p:nvPr/>
+          </p:nvPicPr>
+          <p:blipFill>
+            <a:blip r:embed="rId14">
+              <a:extLst>
+                <a:ext uri="{28A0092B-C50C-407E-A947-70E740481C1C}">
+                  <a14:useLocalDpi xmlns:a14="http://schemas.microsoft.com/office/drawing/2010/main" val="0"/>
+                </a:ext>
+              </a:extLst>
+            </a:blip>
+            <a:stretch>
+              <a:fillRect/>
+            </a:stretch>
+          </p:blipFill>
+          <p:spPr>
+            <a:xfrm>
+              <a:off x="322317" y="3985469"/>
+              <a:ext cx="616642" cy="616642"/>
+            </a:xfrm>
+            <a:prstGeom prst="rect">
+              <a:avLst/>
+            </a:prstGeom>
+          </p:spPr>
+        </p:pic>
+        <p:pic>
+          <p:nvPicPr>
+            <p:cNvPr id="2" name="Picture 2" descr="Bildergebnis fÃ¼r internet explorer logo">
+              <a:extLst>
+                <a:ext uri="{FF2B5EF4-FFF2-40B4-BE49-F238E27FC236}">
+                  <a16:creationId xmlns:a16="http://schemas.microsoft.com/office/drawing/2014/main" id="{934BBE21-59F1-4F6E-BB0F-3EDB7F0732B9}"/>
+                </a:ext>
+              </a:extLst>
+            </p:cNvPr>
+            <p:cNvPicPr>
+              <a:picLocks noChangeAspect="1" noChangeArrowheads="1"/>
+            </p:cNvPicPr>
+            <p:nvPr/>
+          </p:nvPicPr>
+          <p:blipFill>
+            <a:blip r:embed="rId15">
+              <a:extLst>
+                <a:ext uri="{28A0092B-C50C-407E-A947-70E740481C1C}">
+                  <a14:useLocalDpi xmlns:a14="http://schemas.microsoft.com/office/drawing/2010/main" val="0"/>
+                </a:ext>
+              </a:extLst>
+            </a:blip>
+            <a:srcRect/>
+            <a:stretch>
+              <a:fillRect/>
+            </a:stretch>
+          </p:blipFill>
+          <p:spPr bwMode="auto">
+            <a:xfrm>
+              <a:off x="2660504" y="794300"/>
+              <a:ext cx="622831" cy="622831"/>
+            </a:xfrm>
+            <a:prstGeom prst="rect">
+              <a:avLst/>
+            </a:prstGeom>
+            <a:noFill/>
+            <a:extLst>
+              <a:ext uri="{909E8E84-426E-40DD-AFC4-6F175D3DCCD1}">
+                <a14:hiddenFill xmlns:a14="http://schemas.microsoft.com/office/drawing/2010/main">
+                  <a:solidFill>
+                    <a:srgbClr val="FFFFFF"/>
+                  </a:solidFill>
+                </a14:hiddenFill>
+              </a:ext>
+            </a:extLst>
+          </p:spPr>
+        </p:pic>
+      </p:grpSp>
     </p:spTree>
     <p:extLst>
       <p:ext uri="{BB962C8B-B14F-4D97-AF65-F5344CB8AC3E}">
@@ -5467,23 +5488,7 @@
 </a:theme>
 </file>
 
-<file path=customXml/item1.xml>
-</file>
-
-<file path=customXml/item2.xml>
-</file>
-
-<file path=customXml/item3.xml>
-</file>
-
-<file path=customXml/item4.xml><?xml version="1.0" encoding="utf-8"?>
-<Application xmlns="http://www.sap.com/cof/powerpoint/application">
-  <Version>2</Version>
-  <Revision>2.5.201.74495</Revision>
-</Application>
-</file>
-
-<file path=customXml/item5.xml><?xml version="1.0" encoding="utf-8"?>
+<file path=customXml/item1.xml><?xml version="1.0" encoding="utf-8"?>
 <Application xmlns="http://www.sap.com/cof/ao/powerpoint/application">
   <com.sap.ip.bi.pioneer>
     <Version>4</Version>
@@ -5501,12 +5506,36 @@
 </Application>
 </file>
 
+<file path=customXml/item2.xml><?xml version="1.0" encoding="utf-8"?>
+<Application xmlns="http://www.sap.com/cof/powerpoint/application">
+  <Version>2</Version>
+  <Revision>2.5.201.74495</Revision>
+</Application>
+</file>
+
+<file path=customXml/item3.xml>
+</file>
+
+<file path=customXml/item4.xml>
+</file>
+
+<file path=customXml/item5.xml>
+</file>
+
 <file path=customXml/itemProps1.xml><?xml version="1.0" encoding="utf-8"?>
-<ds:datastoreItem xmlns:ds="http://schemas.openxmlformats.org/officeDocument/2006/customXml" ds:itemID="{2E4677D1-6936-4BF1-A595-120AC79AD739}"/>
+<ds:datastoreItem xmlns:ds="http://schemas.openxmlformats.org/officeDocument/2006/customXml" ds:itemID="{44723FA6-B1A5-4CA4-AE18-8FB0E9AA9608}">
+  <ds:schemaRefs>
+    <ds:schemaRef ds:uri="http://www.sap.com/cof/ao/powerpoint/application"/>
+  </ds:schemaRefs>
+</ds:datastoreItem>
 </file>
 
 <file path=customXml/itemProps2.xml><?xml version="1.0" encoding="utf-8"?>
-<ds:datastoreItem xmlns:ds="http://schemas.openxmlformats.org/officeDocument/2006/customXml" ds:itemID="{B6BA90CD-7BA2-4A10-A93D-C5311E803BD6}"/>
+<ds:datastoreItem xmlns:ds="http://schemas.openxmlformats.org/officeDocument/2006/customXml" ds:itemID="{D45665F1-D73E-49B6-99EF-AB86714A815A}">
+  <ds:schemaRefs>
+    <ds:schemaRef ds:uri="http://www.sap.com/cof/powerpoint/application"/>
+  </ds:schemaRefs>
+</ds:datastoreItem>
 </file>
 
 <file path=customXml/itemProps3.xml><?xml version="1.0" encoding="utf-8"?>
@@ -5514,17 +5543,9 @@
 </file>
 
 <file path=customXml/itemProps4.xml><?xml version="1.0" encoding="utf-8"?>
-<ds:datastoreItem xmlns:ds="http://schemas.openxmlformats.org/officeDocument/2006/customXml" ds:itemID="{D45665F1-D73E-49B6-99EF-AB86714A815A}">
-  <ds:schemaRefs>
-    <ds:schemaRef ds:uri="http://www.sap.com/cof/powerpoint/application"/>
-  </ds:schemaRefs>
-</ds:datastoreItem>
+<ds:datastoreItem xmlns:ds="http://schemas.openxmlformats.org/officeDocument/2006/customXml" ds:itemID="{B6BA90CD-7BA2-4A10-A93D-C5311E803BD6}"/>
 </file>
 
 <file path=customXml/itemProps5.xml><?xml version="1.0" encoding="utf-8"?>
-<ds:datastoreItem xmlns:ds="http://schemas.openxmlformats.org/officeDocument/2006/customXml" ds:itemID="{44723FA6-B1A5-4CA4-AE18-8FB0E9AA9608}">
-  <ds:schemaRefs>
-    <ds:schemaRef ds:uri="http://www.sap.com/cof/ao/powerpoint/application"/>
-  </ds:schemaRefs>
-</ds:datastoreItem>
+<ds:datastoreItem xmlns:ds="http://schemas.openxmlformats.org/officeDocument/2006/customXml" ds:itemID="{2E4677D1-6936-4BF1-A595-120AC79AD739}"/>
 </file>